--- a/DOC/1, Java Core/1. JVM _ Memory Management/Java Virtual Machine.pptx
+++ b/DOC/1, Java Core/1. JVM _ Memory Management/Java Virtual Machine.pptx
@@ -39,7 +39,7 @@
   <p:notesSz cx="6807200" cy="9939338"/>
   <p:embeddedFontLst>
     <p:embeddedFont>
-      <p:font typeface="Lora" panose="020B0604020202020204" charset="0"/>
+      <p:font typeface="Lora" pitchFamily="2" charset="0"/>
       <p:regular r:id="rId29"/>
       <p:bold r:id="rId30"/>
       <p:italic r:id="rId31"/>
@@ -298,7 +298,7 @@
       </p15:sldGuideLst>
     </p:ext>
     <p:ext uri="http://customooxmlschemas.google.com/">
-      <go:slidesCustomData xmlns:go="http://customooxmlschemas.google.com/" xmlns:ahyp="http://schemas.microsoft.com/office/drawing/2018/hyperlinkcolor" xmlns:p15="http://schemas.microsoft.com/office/powerpoint/2012/main" xmlns:p14="http://schemas.microsoft.com/office/powerpoint/2010/main" xmlns:com="http://schemas.openxmlformats.org/drawingml/2006/compatibility" xmlns:pvml="urn:schemas-microsoft-com:office:powerpoint" xmlns:v="urn:schemas-microsoft-com:vml" xmlns:o="urn:schemas-microsoft-com:office:office" xmlns:dgm="http://schemas.openxmlformats.org/drawingml/2006/diagram" xmlns:c="http://schemas.openxmlformats.org/drawingml/2006/chart" xmlns:mv="urn:schemas-microsoft-com:mac:vml" xmlns:mc="http://schemas.openxmlformats.org/markup-compatibility/2006" xmlns="" r:id="rId40" roundtripDataSignature="AMtx7mg3vV3VkyPdJauoLtD7Bk0uBWWPkA=="/>
+      <go:slidesCustomData xmlns="" xmlns:mc="http://schemas.openxmlformats.org/markup-compatibility/2006" xmlns:mv="urn:schemas-microsoft-com:mac:vml" xmlns:c="http://schemas.openxmlformats.org/drawingml/2006/chart" xmlns:dgm="http://schemas.openxmlformats.org/drawingml/2006/diagram" xmlns:o="urn:schemas-microsoft-com:office:office" xmlns:v="urn:schemas-microsoft-com:vml" xmlns:pvml="urn:schemas-microsoft-com:office:powerpoint" xmlns:com="http://schemas.openxmlformats.org/drawingml/2006/compatibility" xmlns:p14="http://schemas.microsoft.com/office/powerpoint/2010/main" xmlns:p15="http://schemas.microsoft.com/office/powerpoint/2012/main" xmlns:ahyp="http://schemas.microsoft.com/office/drawing/2018/hyperlinkcolor" xmlns:go="http://customooxmlschemas.google.com/" r:id="rId40" roundtripDataSignature="AMtx7mg3vV3VkyPdJauoLtD7Bk0uBWWPkA=="/>
     </p:ext>
   </p:extLst>
 </p:presentation>
@@ -6067,9 +6067,9 @@
               <a:buFont typeface="Quattrocento Sans"/>
               <a:buChar char="◉"/>
               <a:defRPr sz="2400">
-                <a:latin typeface="Quattrocento Sans"/>
-                <a:ea typeface="Quattrocento Sans"/>
-                <a:cs typeface="Quattrocento Sans"/>
+                <a:latin typeface="Arial" panose="020B0604020202020204" pitchFamily="34" charset="0"/>
+                <a:ea typeface="Arial" panose="020B0604020202020204" pitchFamily="34" charset="0"/>
+                <a:cs typeface="Arial" panose="020B0604020202020204" pitchFamily="34" charset="0"/>
                 <a:sym typeface="Quattrocento Sans"/>
               </a:defRPr>
             </a:lvl1pPr>
@@ -6361,6 +6361,8 @@
                 <a:highlight>
                   <a:srgbClr val="FFCD00"/>
                 </a:highlight>
+                <a:latin typeface="Arial" panose="020B0604020202020204" pitchFamily="34" charset="0"/>
+                <a:cs typeface="Arial" panose="020B0604020202020204" pitchFamily="34" charset="0"/>
               </a:defRPr>
             </a:lvl1pPr>
             <a:lvl2pPr lvl="1" algn="l">
@@ -7012,7 +7014,10 @@
               </a:spcAft>
               <a:buSzPts val="1800"/>
               <a:buNone/>
-              <a:defRPr sz="1800"/>
+              <a:defRPr sz="1800">
+                <a:latin typeface="Arial" panose="020B0604020202020204" pitchFamily="34" charset="0"/>
+                <a:cs typeface="Arial" panose="020B0604020202020204" pitchFamily="34" charset="0"/>
+              </a:defRPr>
             </a:lvl1pPr>
             <a:lvl2pPr lvl="1" algn="ctr">
               <a:lnSpc>
@@ -8745,9 +8750,9 @@
           <a:solidFill>
             <a:srgbClr val="000000"/>
           </a:solidFill>
-          <a:latin typeface="Arial"/>
-          <a:ea typeface="Arial"/>
-          <a:cs typeface="Arial"/>
+          <a:latin typeface="Arial" panose="020B0604020202020204" pitchFamily="34" charset="0"/>
+          <a:ea typeface="Arial" panose="020B0604020202020204" pitchFamily="34" charset="0"/>
+          <a:cs typeface="Arial" panose="020B0604020202020204" pitchFamily="34" charset="0"/>
           <a:sym typeface="Arial"/>
         </a:defRPr>
       </a:lvl1pPr>
@@ -10313,7 +10318,7 @@
                 </a:solidFill>
                 <a:latin typeface="+mn-lt"/>
                 <a:ea typeface="Quattrocento Sans"/>
-                <a:cs typeface="Quattrocento Sans"/>
+                <a:cs typeface="Arial" panose="020B0604020202020204" pitchFamily="34" charset="0"/>
                 <a:sym typeface="Quattrocento Sans"/>
               </a:rPr>
               <a:t>Classes will be loaded by this component. Bootstrap Class Loader, Extension Class Loader, and Application Class Loader are the three Class Loaders that will help in achieving it.</a:t>
@@ -10347,7 +10352,7 @@
                 </a:solidFill>
                 <a:latin typeface="+mn-lt"/>
                 <a:ea typeface="Quattrocento Sans"/>
-                <a:cs typeface="Quattrocento Sans"/>
+                <a:cs typeface="Arial" panose="020B0604020202020204" pitchFamily="34" charset="0"/>
                 <a:sym typeface="Quattrocento Sans"/>
               </a:rPr>
               <a:t>Bootstrap Class loader</a:t>
@@ -10359,7 +10364,7 @@
                 </a:solidFill>
                 <a:latin typeface="+mn-lt"/>
                 <a:ea typeface="Quattrocento Sans"/>
-                <a:cs typeface="Quattrocento Sans"/>
+                <a:cs typeface="Arial" panose="020B0604020202020204" pitchFamily="34" charset="0"/>
                 <a:sym typeface="Quattrocento Sans"/>
               </a:rPr>
               <a:t>: Responsible for loading classes from the bootstrap class path, nothing but </a:t>
@@ -10371,7 +10376,7 @@
                 </a:solidFill>
                 <a:latin typeface="+mn-lt"/>
                 <a:ea typeface="Quattrocento Sans"/>
-                <a:cs typeface="Quattrocento Sans"/>
+                <a:cs typeface="Arial" panose="020B0604020202020204" pitchFamily="34" charset="0"/>
                 <a:sym typeface="Quattrocento Sans"/>
               </a:rPr>
               <a:t>runtime.jar (all the standard lib like </a:t>
@@ -10383,7 +10388,7 @@
                 </a:solidFill>
                 <a:latin typeface="+mn-lt"/>
                 <a:ea typeface="Quattrocento Sans"/>
-                <a:cs typeface="Quattrocento Sans"/>
+                <a:cs typeface="Arial" panose="020B0604020202020204" pitchFamily="34" charset="0"/>
                 <a:sym typeface="Quattrocento Sans"/>
               </a:rPr>
               <a:t>java.lang</a:t>
@@ -10395,7 +10400,7 @@
                 </a:solidFill>
                 <a:latin typeface="+mn-lt"/>
                 <a:ea typeface="Quattrocento Sans"/>
-                <a:cs typeface="Quattrocento Sans"/>
+                <a:cs typeface="Arial" panose="020B0604020202020204" pitchFamily="34" charset="0"/>
                 <a:sym typeface="Quattrocento Sans"/>
               </a:rPr>
               <a:t>.*,…). </a:t>
@@ -10405,12 +10410,27 @@
                 <a:solidFill>
                   <a:srgbClr val="000000"/>
                 </a:solidFill>
+                <a:highlight>
+                  <a:srgbClr val="FFFF00"/>
+                </a:highlight>
                 <a:latin typeface="+mn-lt"/>
                 <a:ea typeface="Quattrocento Sans"/>
-                <a:cs typeface="Quattrocento Sans"/>
-                <a:sym typeface="Quattrocento Sans"/>
-              </a:rPr>
-              <a:t>Highest priority will be given to this loader.</a:t>
+                <a:cs typeface="Arial" panose="020B0604020202020204" pitchFamily="34" charset="0"/>
+                <a:sym typeface="Quattrocento Sans"/>
+              </a:rPr>
+              <a:t>Highest priority will be given to this loader</a:t>
+            </a:r>
+            <a:r>
+              <a:rPr lang="en-US" sz="1400" b="0" i="0" u="none" strike="noStrike" cap="none" dirty="0">
+                <a:solidFill>
+                  <a:srgbClr val="000000"/>
+                </a:solidFill>
+                <a:latin typeface="+mn-lt"/>
+                <a:ea typeface="Quattrocento Sans"/>
+                <a:cs typeface="Arial" panose="020B0604020202020204" pitchFamily="34" charset="0"/>
+                <a:sym typeface="Quattrocento Sans"/>
+              </a:rPr>
+              <a:t>.</a:t>
             </a:r>
             <a:endParaRPr dirty="0">
               <a:latin typeface="+mn-lt"/>
@@ -10441,7 +10461,7 @@
                 </a:solidFill>
                 <a:latin typeface="+mn-lt"/>
                 <a:ea typeface="Quattrocento Sans"/>
-                <a:cs typeface="Quattrocento Sans"/>
+                <a:cs typeface="Arial" panose="020B0604020202020204" pitchFamily="34" charset="0"/>
                 <a:sym typeface="Quattrocento Sans"/>
               </a:rPr>
               <a:t>Extension Class Loader</a:t>
@@ -10453,7 +10473,7 @@
                 </a:solidFill>
                 <a:latin typeface="+mn-lt"/>
                 <a:ea typeface="Quattrocento Sans"/>
-                <a:cs typeface="Quattrocento Sans"/>
+                <a:cs typeface="Arial" panose="020B0604020202020204" pitchFamily="34" charset="0"/>
                 <a:sym typeface="Quattrocento Sans"/>
               </a:rPr>
               <a:t>:  Responsible for loading extension classes which are included inside the </a:t>
@@ -10465,7 +10485,7 @@
                 </a:solidFill>
                 <a:latin typeface="+mn-lt"/>
                 <a:ea typeface="Quattrocento Sans"/>
-                <a:cs typeface="Quattrocento Sans"/>
+                <a:cs typeface="Arial" panose="020B0604020202020204" pitchFamily="34" charset="0"/>
                 <a:sym typeface="Quattrocento Sans"/>
               </a:rPr>
               <a:t>ext</a:t>
@@ -10477,7 +10497,7 @@
                 </a:solidFill>
                 <a:latin typeface="+mn-lt"/>
                 <a:ea typeface="Quattrocento Sans"/>
-                <a:cs typeface="Quattrocento Sans"/>
+                <a:cs typeface="Arial" panose="020B0604020202020204" pitchFamily="34" charset="0"/>
                 <a:sym typeface="Quattrocento Sans"/>
               </a:rPr>
               <a:t> folder (</a:t>
@@ -10489,7 +10509,7 @@
                 </a:solidFill>
                 <a:latin typeface="+mn-lt"/>
                 <a:ea typeface="Quattrocento Sans"/>
-                <a:cs typeface="Quattrocento Sans"/>
+                <a:cs typeface="Arial" panose="020B0604020202020204" pitchFamily="34" charset="0"/>
                 <a:sym typeface="Quattrocento Sans"/>
               </a:rPr>
               <a:t>jre</a:t>
@@ -10501,7 +10521,7 @@
                 </a:solidFill>
                 <a:latin typeface="+mn-lt"/>
                 <a:ea typeface="Quattrocento Sans"/>
-                <a:cs typeface="Quattrocento Sans"/>
+                <a:cs typeface="Arial" panose="020B0604020202020204" pitchFamily="34" charset="0"/>
                 <a:sym typeface="Quattrocento Sans"/>
               </a:rPr>
               <a:t> \lib) like OJDBC, MQ lib,… </a:t>
@@ -10535,7 +10555,7 @@
                 </a:solidFill>
                 <a:latin typeface="+mn-lt"/>
                 <a:ea typeface="Quattrocento Sans"/>
-                <a:cs typeface="Quattrocento Sans"/>
+                <a:cs typeface="Arial" panose="020B0604020202020204" pitchFamily="34" charset="0"/>
                 <a:sym typeface="Quattrocento Sans"/>
               </a:rPr>
               <a:t>Application Class Loader</a:t>
@@ -10547,7 +10567,7 @@
                 </a:solidFill>
                 <a:latin typeface="+mn-lt"/>
                 <a:ea typeface="Quattrocento Sans"/>
-                <a:cs typeface="Quattrocento Sans"/>
+                <a:cs typeface="Arial" panose="020B0604020202020204" pitchFamily="34" charset="0"/>
                 <a:sym typeface="Quattrocento Sans"/>
               </a:rPr>
               <a:t>: Responsible for loading local application level class path, path mentioned Environment Variable, etc.</a:t>
@@ -10581,7 +10601,7 @@
                 </a:solidFill>
                 <a:latin typeface="+mn-lt"/>
                 <a:ea typeface="Quattrocento Sans"/>
-                <a:cs typeface="Quattrocento Sans"/>
+                <a:cs typeface="Arial" panose="020B0604020202020204" pitchFamily="34" charset="0"/>
                 <a:sym typeface="Quattrocento Sans"/>
               </a:rPr>
               <a:t>🡺 The above Class Loaders will follow Delegation Hierarchy Algorithm while loading the class files. </a:t>
@@ -10614,7 +10634,7 @@
               </a:solidFill>
               <a:latin typeface="+mn-lt"/>
               <a:ea typeface="Quattrocento Sans"/>
-              <a:cs typeface="Quattrocento Sans"/>
+              <a:cs typeface="Arial" panose="020B0604020202020204" pitchFamily="34" charset="0"/>
               <a:sym typeface="Quattrocento Sans"/>
             </a:endParaRPr>
           </a:p>
@@ -10669,7 +10689,7 @@
                 </a:solidFill>
                 <a:latin typeface="+mn-lt"/>
                 <a:ea typeface="Quattrocento Sans"/>
-                <a:cs typeface="Quattrocento Sans"/>
+                <a:cs typeface="Arial" panose="020B0604020202020204" pitchFamily="34" charset="0"/>
                 <a:sym typeface="Quattrocento Sans"/>
               </a:rPr>
               <a:t>Step 1: Loading</a:t>
@@ -10680,7 +10700,7 @@
               </a:solidFill>
               <a:latin typeface="+mn-lt"/>
               <a:ea typeface="Quattrocento Sans"/>
-              <a:cs typeface="Quattrocento Sans"/>
+              <a:cs typeface="Arial" panose="020B0604020202020204" pitchFamily="34" charset="0"/>
               <a:sym typeface="Quattrocento Sans"/>
             </a:endParaRPr>
           </a:p>
@@ -10760,7 +10780,7 @@
                 </a:solidFill>
                 <a:latin typeface="+mn-lt"/>
                 <a:ea typeface="Quattrocento Sans"/>
-                <a:cs typeface="Quattrocento Sans"/>
+                <a:cs typeface="Arial" panose="020B0604020202020204" pitchFamily="34" charset="0"/>
                 <a:sym typeface="Quattrocento Sans"/>
               </a:rPr>
               <a:t>The order of its hierarchy is </a:t>
@@ -10772,7 +10792,7 @@
                 </a:solidFill>
                 <a:latin typeface="+mn-lt"/>
                 <a:ea typeface="Quattrocento Sans"/>
-                <a:cs typeface="Quattrocento Sans"/>
+                <a:cs typeface="Arial" panose="020B0604020202020204" pitchFamily="34" charset="0"/>
                 <a:sym typeface="Quattrocento Sans"/>
               </a:rPr>
               <a:t>Application Class Loader 🡪 Extension Class Loader 🡪 Bootstrap Class Loader</a:t>
@@ -10784,7 +10804,7 @@
                 </a:solidFill>
                 <a:latin typeface="+mn-lt"/>
                 <a:ea typeface="Quattrocento Sans"/>
-                <a:cs typeface="Quattrocento Sans"/>
+                <a:cs typeface="Arial" panose="020B0604020202020204" pitchFamily="34" charset="0"/>
                 <a:sym typeface="Quattrocento Sans"/>
               </a:rPr>
               <a:t>. The </a:t>
@@ -10796,7 +10816,7 @@
                 </a:solidFill>
                 <a:latin typeface="+mn-lt"/>
                 <a:ea typeface="Quattrocento Sans"/>
-                <a:cs typeface="Quattrocento Sans"/>
+                <a:cs typeface="Arial" panose="020B0604020202020204" pitchFamily="34" charset="0"/>
                 <a:sym typeface="Quattrocento Sans"/>
               </a:rPr>
               <a:t>Bootstrap Class Loader is always given the higher priority</a:t>
@@ -10808,7 +10828,7 @@
                 </a:solidFill>
                 <a:latin typeface="+mn-lt"/>
                 <a:ea typeface="Quattrocento Sans"/>
-                <a:cs typeface="Quattrocento Sans"/>
+                <a:cs typeface="Arial" panose="020B0604020202020204" pitchFamily="34" charset="0"/>
                 <a:sym typeface="Quattrocento Sans"/>
               </a:rPr>
               <a:t>, next is Extension Class Loader and then Application Class Loader.</a:t>
@@ -10819,7 +10839,7 @@
               </a:solidFill>
               <a:latin typeface="+mn-lt"/>
               <a:ea typeface="Quattrocento Sans"/>
-              <a:cs typeface="Quattrocento Sans"/>
+              <a:cs typeface="Arial" panose="020B0604020202020204" pitchFamily="34" charset="0"/>
               <a:sym typeface="Quattrocento Sans"/>
             </a:endParaRPr>
           </a:p>
@@ -10901,7 +10921,7 @@
                 </a:solidFill>
                 <a:latin typeface="+mn-lt"/>
                 <a:ea typeface="Quattrocento Sans"/>
-                <a:cs typeface="Quattrocento Sans"/>
+                <a:cs typeface="Arial" panose="020B0604020202020204" pitchFamily="34" charset="0"/>
                 <a:sym typeface="Quattrocento Sans"/>
               </a:rPr>
               <a:t>Delegation Hierarchy Algorithm</a:t>
@@ -10912,7 +10932,7 @@
               </a:solidFill>
               <a:latin typeface="+mn-lt"/>
               <a:ea typeface="Quattrocento Sans"/>
-              <a:cs typeface="Quattrocento Sans"/>
+              <a:cs typeface="Arial" panose="020B0604020202020204" pitchFamily="34" charset="0"/>
               <a:sym typeface="Quattrocento Sans"/>
             </a:endParaRPr>
           </a:p>
@@ -10992,7 +11012,7 @@
                 </a:solidFill>
                 <a:latin typeface="+mn-lt"/>
                 <a:ea typeface="Quattrocento Sans"/>
-                <a:cs typeface="Quattrocento Sans"/>
+                <a:cs typeface="Arial" panose="020B0604020202020204" pitchFamily="34" charset="0"/>
                 <a:sym typeface="Quattrocento Sans"/>
               </a:rPr>
               <a:t>Verify</a:t>
@@ -11004,7 +11024,7 @@
                 </a:solidFill>
                 <a:latin typeface="+mn-lt"/>
                 <a:ea typeface="Quattrocento Sans"/>
-                <a:cs typeface="Quattrocento Sans"/>
+                <a:cs typeface="Arial" panose="020B0604020202020204" pitchFamily="34" charset="0"/>
                 <a:sym typeface="Quattrocento Sans"/>
               </a:rPr>
               <a:t>: Once the class files are loaded to the memory, there is a </a:t>
@@ -11016,7 +11036,7 @@
                 </a:solidFill>
                 <a:latin typeface="+mn-lt"/>
                 <a:ea typeface="Quattrocento Sans"/>
-                <a:cs typeface="Quattrocento Sans"/>
+                <a:cs typeface="Arial" panose="020B0604020202020204" pitchFamily="34" charset="0"/>
                 <a:sym typeface="Quattrocento Sans"/>
               </a:rPr>
               <a:t>verify phase</a:t>
@@ -11028,7 +11048,7 @@
                 </a:solidFill>
                 <a:latin typeface="+mn-lt"/>
                 <a:ea typeface="Quattrocento Sans"/>
-                <a:cs typeface="Quattrocento Sans"/>
+                <a:cs typeface="Arial" panose="020B0604020202020204" pitchFamily="34" charset="0"/>
                 <a:sym typeface="Quattrocento Sans"/>
               </a:rPr>
               <a:t> where the bytecode class file are verified if </a:t>
@@ -11040,7 +11060,7 @@
                 </a:solidFill>
                 <a:latin typeface="+mn-lt"/>
                 <a:ea typeface="Quattrocento Sans"/>
-                <a:cs typeface="Quattrocento Sans"/>
+                <a:cs typeface="Arial" panose="020B0604020202020204" pitchFamily="34" charset="0"/>
                 <a:sym typeface="Quattrocento Sans"/>
               </a:rPr>
               <a:t>the class files conform to standards</a:t>
@@ -11052,7 +11072,7 @@
                 </a:solidFill>
                 <a:latin typeface="+mn-lt"/>
                 <a:ea typeface="Quattrocento Sans"/>
-                <a:cs typeface="Quattrocento Sans"/>
+                <a:cs typeface="Arial" panose="020B0604020202020204" pitchFamily="34" charset="0"/>
                 <a:sym typeface="Quattrocento Sans"/>
               </a:rPr>
               <a:t>. If </a:t>
@@ -11064,7 +11084,7 @@
                 </a:solidFill>
                 <a:latin typeface="+mn-lt"/>
                 <a:ea typeface="Quattrocento Sans"/>
-                <a:cs typeface="Quattrocento Sans"/>
+                <a:cs typeface="Arial" panose="020B0604020202020204" pitchFamily="34" charset="0"/>
                 <a:sym typeface="Quattrocento Sans"/>
               </a:rPr>
               <a:t>verification fails we will get the verification error.</a:t>
@@ -11098,7 +11118,7 @@
                 </a:solidFill>
                 <a:latin typeface="+mn-lt"/>
                 <a:ea typeface="Quattrocento Sans"/>
-                <a:cs typeface="Quattrocento Sans"/>
+                <a:cs typeface="Arial" panose="020B0604020202020204" pitchFamily="34" charset="0"/>
                 <a:sym typeface="Quattrocento Sans"/>
               </a:rPr>
               <a:t>Prepare</a:t>
@@ -11110,7 +11130,7 @@
                 </a:solidFill>
                 <a:latin typeface="+mn-lt"/>
                 <a:ea typeface="Quattrocento Sans"/>
-                <a:cs typeface="Quattrocento Sans"/>
+                <a:cs typeface="Arial" panose="020B0604020202020204" pitchFamily="34" charset="0"/>
                 <a:sym typeface="Quattrocento Sans"/>
               </a:rPr>
               <a:t>: For all static variables memory will be allocated and assigned with default values. (</a:t>
@@ -11122,7 +11142,7 @@
                 </a:solidFill>
                 <a:latin typeface="+mn-lt"/>
                 <a:ea typeface="Quattrocento Sans"/>
-                <a:cs typeface="Quattrocento Sans"/>
+                <a:cs typeface="Arial" panose="020B0604020202020204" pitchFamily="34" charset="0"/>
                 <a:sym typeface="Quattrocento Sans"/>
               </a:rPr>
               <a:t>tạo</a:t>
@@ -11134,7 +11154,7 @@
                 </a:solidFill>
                 <a:latin typeface="+mn-lt"/>
                 <a:ea typeface="Quattrocento Sans"/>
-                <a:cs typeface="Quattrocento Sans"/>
+                <a:cs typeface="Arial" panose="020B0604020202020204" pitchFamily="34" charset="0"/>
                 <a:sym typeface="Quattrocento Sans"/>
               </a:rPr>
               <a:t> </a:t>
@@ -11146,7 +11166,7 @@
                 </a:solidFill>
                 <a:latin typeface="+mn-lt"/>
                 <a:ea typeface="Quattrocento Sans"/>
-                <a:cs typeface="Quattrocento Sans"/>
+                <a:cs typeface="Arial" panose="020B0604020202020204" pitchFamily="34" charset="0"/>
                 <a:sym typeface="Quattrocento Sans"/>
               </a:rPr>
               <a:t>các</a:t>
@@ -11158,7 +11178,7 @@
                 </a:solidFill>
                 <a:latin typeface="+mn-lt"/>
                 <a:ea typeface="Quattrocento Sans"/>
-                <a:cs typeface="Quattrocento Sans"/>
+                <a:cs typeface="Arial" panose="020B0604020202020204" pitchFamily="34" charset="0"/>
                 <a:sym typeface="Quattrocento Sans"/>
               </a:rPr>
               <a:t> </a:t>
@@ -11170,7 +11190,7 @@
                 </a:solidFill>
                 <a:latin typeface="+mn-lt"/>
                 <a:ea typeface="Quattrocento Sans"/>
-                <a:cs typeface="Quattrocento Sans"/>
+                <a:cs typeface="Arial" panose="020B0604020202020204" pitchFamily="34" charset="0"/>
                 <a:sym typeface="Quattrocento Sans"/>
               </a:rPr>
               <a:t>biến</a:t>
@@ -11182,7 +11202,7 @@
                 </a:solidFill>
                 <a:latin typeface="+mn-lt"/>
                 <a:ea typeface="Quattrocento Sans"/>
-                <a:cs typeface="Quattrocento Sans"/>
+                <a:cs typeface="Arial" panose="020B0604020202020204" pitchFamily="34" charset="0"/>
                 <a:sym typeface="Quattrocento Sans"/>
               </a:rPr>
               <a:t> statics </a:t>
@@ -11194,7 +11214,7 @@
                 </a:solidFill>
                 <a:latin typeface="+mn-lt"/>
                 <a:ea typeface="Quattrocento Sans"/>
-                <a:cs typeface="Quattrocento Sans"/>
+                <a:cs typeface="Arial" panose="020B0604020202020204" pitchFamily="34" charset="0"/>
                 <a:sym typeface="Quattrocento Sans"/>
               </a:rPr>
               <a:t>và</a:t>
@@ -11206,7 +11226,7 @@
                 </a:solidFill>
                 <a:latin typeface="+mn-lt"/>
                 <a:ea typeface="Quattrocento Sans"/>
-                <a:cs typeface="Quattrocento Sans"/>
+                <a:cs typeface="Arial" panose="020B0604020202020204" pitchFamily="34" charset="0"/>
                 <a:sym typeface="Quattrocento Sans"/>
               </a:rPr>
               <a:t> assigned </a:t>
@@ -11218,7 +11238,7 @@
                 </a:solidFill>
                 <a:latin typeface="+mn-lt"/>
                 <a:ea typeface="Quattrocento Sans"/>
-                <a:cs typeface="Quattrocento Sans"/>
+                <a:cs typeface="Arial" panose="020B0604020202020204" pitchFamily="34" charset="0"/>
                 <a:sym typeface="Quattrocento Sans"/>
               </a:rPr>
               <a:t>các</a:t>
@@ -11230,7 +11250,7 @@
                 </a:solidFill>
                 <a:latin typeface="+mn-lt"/>
                 <a:ea typeface="Quattrocento Sans"/>
-                <a:cs typeface="Quattrocento Sans"/>
+                <a:cs typeface="Arial" panose="020B0604020202020204" pitchFamily="34" charset="0"/>
                 <a:sym typeface="Quattrocento Sans"/>
               </a:rPr>
               <a:t> </a:t>
@@ -11242,7 +11262,7 @@
                 </a:solidFill>
                 <a:latin typeface="+mn-lt"/>
                 <a:ea typeface="Quattrocento Sans"/>
-                <a:cs typeface="Quattrocento Sans"/>
+                <a:cs typeface="Arial" panose="020B0604020202020204" pitchFamily="34" charset="0"/>
                 <a:sym typeface="Quattrocento Sans"/>
               </a:rPr>
               <a:t>giá</a:t>
@@ -11254,7 +11274,7 @@
                 </a:solidFill>
                 <a:latin typeface="+mn-lt"/>
                 <a:ea typeface="Quattrocento Sans"/>
-                <a:cs typeface="Quattrocento Sans"/>
+                <a:cs typeface="Arial" panose="020B0604020202020204" pitchFamily="34" charset="0"/>
                 <a:sym typeface="Quattrocento Sans"/>
               </a:rPr>
               <a:t> </a:t>
@@ -11266,7 +11286,7 @@
                 </a:solidFill>
                 <a:latin typeface="+mn-lt"/>
                 <a:ea typeface="Quattrocento Sans"/>
-                <a:cs typeface="Quattrocento Sans"/>
+                <a:cs typeface="Arial" panose="020B0604020202020204" pitchFamily="34" charset="0"/>
                 <a:sym typeface="Quattrocento Sans"/>
               </a:rPr>
               <a:t>trị</a:t>
@@ -11278,7 +11298,7 @@
                 </a:solidFill>
                 <a:latin typeface="+mn-lt"/>
                 <a:ea typeface="Quattrocento Sans"/>
-                <a:cs typeface="Quattrocento Sans"/>
+                <a:cs typeface="Arial" panose="020B0604020202020204" pitchFamily="34" charset="0"/>
                 <a:sym typeface="Quattrocento Sans"/>
               </a:rPr>
               <a:t> </a:t>
@@ -11290,7 +11310,7 @@
                 </a:solidFill>
                 <a:latin typeface="+mn-lt"/>
                 <a:ea typeface="Quattrocento Sans"/>
-                <a:cs typeface="Quattrocento Sans"/>
+                <a:cs typeface="Arial" panose="020B0604020202020204" pitchFamily="34" charset="0"/>
                 <a:sym typeface="Quattrocento Sans"/>
               </a:rPr>
               <a:t>mặc</a:t>
@@ -11302,7 +11322,7 @@
                 </a:solidFill>
                 <a:latin typeface="+mn-lt"/>
                 <a:ea typeface="Quattrocento Sans"/>
-                <a:cs typeface="Quattrocento Sans"/>
+                <a:cs typeface="Arial" panose="020B0604020202020204" pitchFamily="34" charset="0"/>
                 <a:sym typeface="Quattrocento Sans"/>
               </a:rPr>
               <a:t> </a:t>
@@ -11314,7 +11334,7 @@
                 </a:solidFill>
                 <a:latin typeface="+mn-lt"/>
                 <a:ea typeface="Quattrocento Sans"/>
-                <a:cs typeface="Quattrocento Sans"/>
+                <a:cs typeface="Arial" panose="020B0604020202020204" pitchFamily="34" charset="0"/>
                 <a:sym typeface="Quattrocento Sans"/>
               </a:rPr>
               <a:t>định</a:t>
@@ -11326,7 +11346,7 @@
                 </a:solidFill>
                 <a:latin typeface="+mn-lt"/>
                 <a:ea typeface="Quattrocento Sans"/>
-                <a:cs typeface="Quattrocento Sans"/>
+                <a:cs typeface="Arial" panose="020B0604020202020204" pitchFamily="34" charset="0"/>
                 <a:sym typeface="Quattrocento Sans"/>
               </a:rPr>
               <a:t> (primitive: </a:t>
@@ -11338,7 +11358,7 @@
                 </a:solidFill>
                 <a:latin typeface="+mn-lt"/>
                 <a:ea typeface="Quattrocento Sans"/>
-                <a:cs typeface="Quattrocento Sans"/>
+                <a:cs typeface="Arial" panose="020B0604020202020204" pitchFamily="34" charset="0"/>
                 <a:sym typeface="Quattrocento Sans"/>
               </a:rPr>
               <a:t>mặc</a:t>
@@ -11350,7 +11370,7 @@
                 </a:solidFill>
                 <a:latin typeface="+mn-lt"/>
                 <a:ea typeface="Quattrocento Sans"/>
-                <a:cs typeface="Quattrocento Sans"/>
+                <a:cs typeface="Arial" panose="020B0604020202020204" pitchFamily="34" charset="0"/>
                 <a:sym typeface="Quattrocento Sans"/>
               </a:rPr>
               <a:t> </a:t>
@@ -11362,7 +11382,7 @@
                 </a:solidFill>
                 <a:latin typeface="+mn-lt"/>
                 <a:ea typeface="Quattrocento Sans"/>
-                <a:cs typeface="Quattrocento Sans"/>
+                <a:cs typeface="Arial" panose="020B0604020202020204" pitchFamily="34" charset="0"/>
                 <a:sym typeface="Quattrocento Sans"/>
               </a:rPr>
               <a:t>định</a:t>
@@ -11374,7 +11394,7 @@
                 </a:solidFill>
                 <a:latin typeface="+mn-lt"/>
                 <a:ea typeface="Quattrocento Sans"/>
-                <a:cs typeface="Quattrocento Sans"/>
+                <a:cs typeface="Arial" panose="020B0604020202020204" pitchFamily="34" charset="0"/>
                 <a:sym typeface="Quattrocento Sans"/>
               </a:rPr>
               <a:t> </a:t>
@@ -11386,7 +11406,7 @@
                 </a:solidFill>
                 <a:latin typeface="+mn-lt"/>
                 <a:ea typeface="Quattrocento Sans"/>
-                <a:cs typeface="Quattrocento Sans"/>
+                <a:cs typeface="Arial" panose="020B0604020202020204" pitchFamily="34" charset="0"/>
                 <a:sym typeface="Quattrocento Sans"/>
               </a:rPr>
               <a:t>là</a:t>
@@ -11398,7 +11418,7 @@
                 </a:solidFill>
                 <a:latin typeface="+mn-lt"/>
                 <a:ea typeface="Quattrocento Sans"/>
-                <a:cs typeface="Quattrocento Sans"/>
+                <a:cs typeface="Arial" panose="020B0604020202020204" pitchFamily="34" charset="0"/>
                 <a:sym typeface="Quattrocento Sans"/>
               </a:rPr>
               <a:t> 0))</a:t>
@@ -11432,7 +11452,7 @@
                 </a:solidFill>
                 <a:latin typeface="+mn-lt"/>
                 <a:ea typeface="Quattrocento Sans"/>
-                <a:cs typeface="Quattrocento Sans"/>
+                <a:cs typeface="Arial" panose="020B0604020202020204" pitchFamily="34" charset="0"/>
                 <a:sym typeface="Quattrocento Sans"/>
               </a:rPr>
               <a:t>Resolve</a:t>
@@ -11444,7 +11464,7 @@
                 </a:solidFill>
                 <a:latin typeface="+mn-lt"/>
                 <a:ea typeface="Quattrocento Sans"/>
-                <a:cs typeface="Quattrocento Sans"/>
+                <a:cs typeface="Arial" panose="020B0604020202020204" pitchFamily="34" charset="0"/>
                 <a:sym typeface="Quattrocento Sans"/>
               </a:rPr>
               <a:t>: All symbolic memory references are replaced with the original references. (</a:t>
@@ -11456,7 +11476,7 @@
                 </a:solidFill>
                 <a:latin typeface="+mn-lt"/>
                 <a:ea typeface="Quattrocento Sans"/>
-                <a:cs typeface="Quattrocento Sans"/>
+                <a:cs typeface="Arial" panose="020B0604020202020204" pitchFamily="34" charset="0"/>
                 <a:sym typeface="Quattrocento Sans"/>
               </a:rPr>
               <a:t>tham</a:t>
@@ -11468,7 +11488,7 @@
                 </a:solidFill>
                 <a:latin typeface="+mn-lt"/>
                 <a:ea typeface="Quattrocento Sans"/>
-                <a:cs typeface="Quattrocento Sans"/>
+                <a:cs typeface="Arial" panose="020B0604020202020204" pitchFamily="34" charset="0"/>
                 <a:sym typeface="Quattrocento Sans"/>
               </a:rPr>
               <a:t> </a:t>
@@ -11480,7 +11500,7 @@
                 </a:solidFill>
                 <a:latin typeface="+mn-lt"/>
                 <a:ea typeface="Quattrocento Sans"/>
-                <a:cs typeface="Quattrocento Sans"/>
+                <a:cs typeface="Arial" panose="020B0604020202020204" pitchFamily="34" charset="0"/>
                 <a:sym typeface="Quattrocento Sans"/>
               </a:rPr>
               <a:t>chiếu</a:t>
@@ -11492,7 +11512,7 @@
                 </a:solidFill>
                 <a:latin typeface="+mn-lt"/>
                 <a:ea typeface="Quattrocento Sans"/>
-                <a:cs typeface="Quattrocento Sans"/>
+                <a:cs typeface="Arial" panose="020B0604020202020204" pitchFamily="34" charset="0"/>
                 <a:sym typeface="Quattrocento Sans"/>
               </a:rPr>
               <a:t> </a:t>
@@ -11504,7 +11524,7 @@
                 </a:solidFill>
                 <a:latin typeface="+mn-lt"/>
                 <a:ea typeface="Quattrocento Sans"/>
-                <a:cs typeface="Quattrocento Sans"/>
+                <a:cs typeface="Arial" panose="020B0604020202020204" pitchFamily="34" charset="0"/>
                 <a:sym typeface="Quattrocento Sans"/>
               </a:rPr>
               <a:t>đến</a:t>
@@ -11516,7 +11536,7 @@
                 </a:solidFill>
                 <a:latin typeface="+mn-lt"/>
                 <a:ea typeface="Quattrocento Sans"/>
-                <a:cs typeface="Quattrocento Sans"/>
+                <a:cs typeface="Arial" panose="020B0604020202020204" pitchFamily="34" charset="0"/>
                 <a:sym typeface="Quattrocento Sans"/>
               </a:rPr>
               <a:t> </a:t>
@@ -11528,7 +11548,7 @@
                 </a:solidFill>
                 <a:latin typeface="+mn-lt"/>
                 <a:ea typeface="Quattrocento Sans"/>
-                <a:cs typeface="Quattrocento Sans"/>
+                <a:cs typeface="Arial" panose="020B0604020202020204" pitchFamily="34" charset="0"/>
                 <a:sym typeface="Quattrocento Sans"/>
               </a:rPr>
               <a:t>các</a:t>
@@ -11540,7 +11560,7 @@
                 </a:solidFill>
                 <a:latin typeface="+mn-lt"/>
                 <a:ea typeface="Quattrocento Sans"/>
-                <a:cs typeface="Quattrocento Sans"/>
+                <a:cs typeface="Arial" panose="020B0604020202020204" pitchFamily="34" charset="0"/>
                 <a:sym typeface="Quattrocento Sans"/>
               </a:rPr>
               <a:t> </a:t>
@@ -11552,7 +11572,7 @@
                 </a:solidFill>
                 <a:latin typeface="+mn-lt"/>
                 <a:ea typeface="Quattrocento Sans"/>
-                <a:cs typeface="Quattrocento Sans"/>
+                <a:cs typeface="Arial" panose="020B0604020202020204" pitchFamily="34" charset="0"/>
                 <a:sym typeface="Quattrocento Sans"/>
               </a:rPr>
               <a:t>thư</a:t>
@@ -11564,7 +11584,7 @@
                 </a:solidFill>
                 <a:latin typeface="+mn-lt"/>
                 <a:ea typeface="Quattrocento Sans"/>
-                <a:cs typeface="Quattrocento Sans"/>
+                <a:cs typeface="Arial" panose="020B0604020202020204" pitchFamily="34" charset="0"/>
                 <a:sym typeface="Quattrocento Sans"/>
               </a:rPr>
               <a:t> </a:t>
@@ -11576,7 +11596,7 @@
                 </a:solidFill>
                 <a:latin typeface="+mn-lt"/>
                 <a:ea typeface="Quattrocento Sans"/>
-                <a:cs typeface="Quattrocento Sans"/>
+                <a:cs typeface="Arial" panose="020B0604020202020204" pitchFamily="34" charset="0"/>
                 <a:sym typeface="Quattrocento Sans"/>
               </a:rPr>
               <a:t>viện</a:t>
@@ -11588,7 +11608,7 @@
                 </a:solidFill>
                 <a:latin typeface="+mn-lt"/>
                 <a:ea typeface="Quattrocento Sans"/>
-                <a:cs typeface="Quattrocento Sans"/>
+                <a:cs typeface="Arial" panose="020B0604020202020204" pitchFamily="34" charset="0"/>
                 <a:sym typeface="Quattrocento Sans"/>
               </a:rPr>
               <a:t> </a:t>
@@ -11600,7 +11620,7 @@
                 </a:solidFill>
                 <a:latin typeface="+mn-lt"/>
                 <a:ea typeface="Quattrocento Sans"/>
-                <a:cs typeface="Quattrocento Sans"/>
+                <a:cs typeface="Arial" panose="020B0604020202020204" pitchFamily="34" charset="0"/>
                 <a:sym typeface="Quattrocento Sans"/>
               </a:rPr>
               <a:t>khi</a:t>
@@ -11612,7 +11632,7 @@
                 </a:solidFill>
                 <a:latin typeface="+mn-lt"/>
                 <a:ea typeface="Quattrocento Sans"/>
-                <a:cs typeface="Quattrocento Sans"/>
+                <a:cs typeface="Arial" panose="020B0604020202020204" pitchFamily="34" charset="0"/>
                 <a:sym typeface="Quattrocento Sans"/>
               </a:rPr>
               <a:t> import </a:t>
@@ -11624,7 +11644,7 @@
                 </a:solidFill>
                 <a:latin typeface="+mn-lt"/>
                 <a:ea typeface="Quattrocento Sans"/>
-                <a:cs typeface="Quattrocento Sans"/>
+                <a:cs typeface="Arial" panose="020B0604020202020204" pitchFamily="34" charset="0"/>
                 <a:sym typeface="Quattrocento Sans"/>
               </a:rPr>
               <a:t>trong</a:t>
@@ -11636,7 +11656,7 @@
                 </a:solidFill>
                 <a:latin typeface="+mn-lt"/>
                 <a:ea typeface="Quattrocento Sans"/>
-                <a:cs typeface="Quattrocento Sans"/>
+                <a:cs typeface="Arial" panose="020B0604020202020204" pitchFamily="34" charset="0"/>
                 <a:sym typeface="Quattrocento Sans"/>
               </a:rPr>
               <a:t> code)</a:t>
@@ -11669,7 +11689,7 @@
               </a:solidFill>
               <a:latin typeface="+mn-lt"/>
               <a:ea typeface="Quattrocento Sans"/>
-              <a:cs typeface="Quattrocento Sans"/>
+              <a:cs typeface="Arial" panose="020B0604020202020204" pitchFamily="34" charset="0"/>
               <a:sym typeface="Quattrocento Sans"/>
             </a:endParaRPr>
           </a:p>
@@ -11724,7 +11744,7 @@
                 </a:solidFill>
                 <a:latin typeface="+mn-lt"/>
                 <a:ea typeface="Quattrocento Sans"/>
-                <a:cs typeface="Quattrocento Sans"/>
+                <a:cs typeface="Arial" panose="020B0604020202020204" pitchFamily="34" charset="0"/>
                 <a:sym typeface="Quattrocento Sans"/>
               </a:rPr>
               <a:t>Step 2: Linking</a:t>
@@ -11735,7 +11755,7 @@
               </a:solidFill>
               <a:latin typeface="+mn-lt"/>
               <a:ea typeface="Quattrocento Sans"/>
-              <a:cs typeface="Quattrocento Sans"/>
+              <a:cs typeface="Arial" panose="020B0604020202020204" pitchFamily="34" charset="0"/>
               <a:sym typeface="Quattrocento Sans"/>
             </a:endParaRPr>
           </a:p>
@@ -12028,7 +12048,7 @@
                 </a:solidFill>
                 <a:latin typeface="+mj-lt"/>
                 <a:ea typeface="Quattrocento Sans"/>
-                <a:cs typeface="Quattrocento Sans"/>
+                <a:cs typeface="Arial" panose="020B0604020202020204" pitchFamily="34" charset="0"/>
                 <a:sym typeface="Quattrocento Sans"/>
               </a:rPr>
               <a:t>All static variables are assigned with the original values, and also executes the static block at this point.</a:t>
@@ -12059,7 +12079,7 @@
                 </a:solidFill>
                 <a:latin typeface="+mj-lt"/>
                 <a:ea typeface="Quattrocento Sans"/>
-                <a:cs typeface="Quattrocento Sans"/>
+                <a:cs typeface="Arial" panose="020B0604020202020204" pitchFamily="34" charset="0"/>
                 <a:sym typeface="Quattrocento Sans"/>
               </a:rPr>
               <a:t>Trả</a:t>
@@ -12071,7 +12091,7 @@
                 </a:solidFill>
                 <a:latin typeface="+mj-lt"/>
                 <a:ea typeface="Quattrocento Sans"/>
-                <a:cs typeface="Quattrocento Sans"/>
+                <a:cs typeface="Arial" panose="020B0604020202020204" pitchFamily="34" charset="0"/>
                 <a:sym typeface="Quattrocento Sans"/>
               </a:rPr>
               <a:t> </a:t>
@@ -12083,7 +12103,7 @@
                 </a:solidFill>
                 <a:latin typeface="+mj-lt"/>
                 <a:ea typeface="Quattrocento Sans"/>
-                <a:cs typeface="Quattrocento Sans"/>
+                <a:cs typeface="Arial" panose="020B0604020202020204" pitchFamily="34" charset="0"/>
                 <a:sym typeface="Quattrocento Sans"/>
               </a:rPr>
               <a:t>về</a:t>
@@ -12095,7 +12115,7 @@
                 </a:solidFill>
                 <a:latin typeface="+mj-lt"/>
                 <a:ea typeface="Quattrocento Sans"/>
-                <a:cs typeface="Quattrocento Sans"/>
+                <a:cs typeface="Arial" panose="020B0604020202020204" pitchFamily="34" charset="0"/>
                 <a:sym typeface="Quattrocento Sans"/>
               </a:rPr>
               <a:t> value </a:t>
@@ -12107,7 +12127,7 @@
                 </a:solidFill>
                 <a:latin typeface="+mj-lt"/>
                 <a:ea typeface="Quattrocento Sans"/>
-                <a:cs typeface="Quattrocento Sans"/>
+                <a:cs typeface="Arial" panose="020B0604020202020204" pitchFamily="34" charset="0"/>
                 <a:sym typeface="Quattrocento Sans"/>
               </a:rPr>
               <a:t>mà</a:t>
@@ -12119,7 +12139,7 @@
                 </a:solidFill>
                 <a:latin typeface="+mj-lt"/>
                 <a:ea typeface="Quattrocento Sans"/>
-                <a:cs typeface="Quattrocento Sans"/>
+                <a:cs typeface="Arial" panose="020B0604020202020204" pitchFamily="34" charset="0"/>
                 <a:sym typeface="Quattrocento Sans"/>
               </a:rPr>
               <a:t> dev </a:t>
@@ -12131,7 +12151,7 @@
                 </a:solidFill>
                 <a:latin typeface="+mj-lt"/>
                 <a:ea typeface="Quattrocento Sans"/>
-                <a:cs typeface="Quattrocento Sans"/>
+                <a:cs typeface="Arial" panose="020B0604020202020204" pitchFamily="34" charset="0"/>
                 <a:sym typeface="Quattrocento Sans"/>
               </a:rPr>
               <a:t>đã</a:t>
@@ -12143,7 +12163,7 @@
                 </a:solidFill>
                 <a:latin typeface="+mj-lt"/>
                 <a:ea typeface="Quattrocento Sans"/>
-                <a:cs typeface="Quattrocento Sans"/>
+                <a:cs typeface="Arial" panose="020B0604020202020204" pitchFamily="34" charset="0"/>
                 <a:sym typeface="Quattrocento Sans"/>
               </a:rPr>
               <a:t> </a:t>
@@ -12155,7 +12175,7 @@
                 </a:solidFill>
                 <a:latin typeface="+mj-lt"/>
                 <a:ea typeface="Quattrocento Sans"/>
-                <a:cs typeface="Quattrocento Sans"/>
+                <a:cs typeface="Arial" panose="020B0604020202020204" pitchFamily="34" charset="0"/>
                 <a:sym typeface="Quattrocento Sans"/>
               </a:rPr>
               <a:t>gán</a:t>
@@ -12166,7 +12186,7 @@
               </a:solidFill>
               <a:latin typeface="+mj-lt"/>
               <a:ea typeface="Quattrocento Sans"/>
-              <a:cs typeface="Quattrocento Sans"/>
+              <a:cs typeface="Arial" panose="020B0604020202020204" pitchFamily="34" charset="0"/>
               <a:sym typeface="Quattrocento Sans"/>
             </a:endParaRPr>
           </a:p>
@@ -12221,7 +12241,7 @@
                 </a:solidFill>
                 <a:latin typeface="+mj-lt"/>
                 <a:ea typeface="Quattrocento Sans"/>
-                <a:cs typeface="Quattrocento Sans"/>
+                <a:cs typeface="Arial" panose="020B0604020202020204" pitchFamily="34" charset="0"/>
                 <a:sym typeface="Quattrocento Sans"/>
               </a:rPr>
               <a:t>Step 3: Initialization</a:t>
@@ -12232,7 +12252,7 @@
               </a:solidFill>
               <a:latin typeface="+mj-lt"/>
               <a:ea typeface="Quattrocento Sans"/>
-              <a:cs typeface="Quattrocento Sans"/>
+              <a:cs typeface="Arial" panose="020B0604020202020204" pitchFamily="34" charset="0"/>
               <a:sym typeface="Quattrocento Sans"/>
             </a:endParaRPr>
           </a:p>
@@ -12617,7 +12637,7 @@
                 </a:solidFill>
                 <a:latin typeface="+mj-lt"/>
                 <a:ea typeface="Quattrocento Sans"/>
-                <a:cs typeface="Quattrocento Sans"/>
+                <a:cs typeface="Arial" panose="020B0604020202020204" pitchFamily="34" charset="0"/>
                 <a:sym typeface="Quattrocento Sans"/>
               </a:rPr>
               <a:t>JVM need runtime data area to </a:t>
@@ -12629,7 +12649,7 @@
                 </a:solidFill>
                 <a:latin typeface="+mj-lt"/>
                 <a:ea typeface="Quattrocento Sans"/>
-                <a:cs typeface="Quattrocento Sans"/>
+                <a:cs typeface="Arial" panose="020B0604020202020204" pitchFamily="34" charset="0"/>
                 <a:sym typeface="Quattrocento Sans"/>
               </a:rPr>
               <a:t>store the class files and execute them</a:t>
@@ -12641,7 +12661,7 @@
                 </a:solidFill>
                 <a:latin typeface="+mj-lt"/>
                 <a:ea typeface="Quattrocento Sans"/>
-                <a:cs typeface="Quattrocento Sans"/>
+                <a:cs typeface="Arial" panose="020B0604020202020204" pitchFamily="34" charset="0"/>
                 <a:sym typeface="Quattrocento Sans"/>
               </a:rPr>
               <a:t>. The Runtime Data Area is divided into five major components:</a:t>
@@ -12652,7 +12672,7 @@
               </a:solidFill>
               <a:latin typeface="+mj-lt"/>
               <a:ea typeface="Quattrocento Sans"/>
-              <a:cs typeface="Quattrocento Sans"/>
+              <a:cs typeface="Arial" panose="020B0604020202020204" pitchFamily="34" charset="0"/>
               <a:sym typeface="Quattrocento Sans"/>
             </a:endParaRPr>
           </a:p>
@@ -12734,7 +12754,7 @@
                 </a:solidFill>
                 <a:latin typeface="+mj-lt"/>
                 <a:ea typeface="Quattrocento Sans"/>
-                <a:cs typeface="Quattrocento Sans"/>
+                <a:cs typeface="Arial" panose="020B0604020202020204" pitchFamily="34" charset="0"/>
                 <a:sym typeface="Quattrocento Sans"/>
               </a:rPr>
               <a:t>Five components of Runtime Data Areas</a:t>
@@ -12745,7 +12765,7 @@
               </a:solidFill>
               <a:latin typeface="+mj-lt"/>
               <a:ea typeface="Quattrocento Sans"/>
-              <a:cs typeface="Quattrocento Sans"/>
+              <a:cs typeface="Arial" panose="020B0604020202020204" pitchFamily="34" charset="0"/>
               <a:sym typeface="Quattrocento Sans"/>
             </a:endParaRPr>
           </a:p>
@@ -12825,7 +12845,7 @@
                 </a:solidFill>
                 <a:latin typeface="+mj-lt"/>
                 <a:ea typeface="Quattrocento Sans"/>
-                <a:cs typeface="Quattrocento Sans"/>
+                <a:cs typeface="Arial" panose="020B0604020202020204" pitchFamily="34" charset="0"/>
                 <a:sym typeface="Quattrocento Sans"/>
               </a:rPr>
               <a:t>- Method Area</a:t>
@@ -12837,7 +12857,7 @@
                 </a:solidFill>
                 <a:latin typeface="+mj-lt"/>
                 <a:ea typeface="Quattrocento Sans"/>
-                <a:cs typeface="Quattrocento Sans"/>
+                <a:cs typeface="Arial" panose="020B0604020202020204" pitchFamily="34" charset="0"/>
                 <a:sym typeface="Quattrocento Sans"/>
               </a:rPr>
               <a:t>: </a:t>
@@ -12849,7 +12869,7 @@
                 </a:solidFill>
                 <a:latin typeface="+mj-lt"/>
                 <a:ea typeface="Quattrocento Sans"/>
-                <a:cs typeface="Quattrocento Sans"/>
+                <a:cs typeface="Arial" panose="020B0604020202020204" pitchFamily="34" charset="0"/>
                 <a:sym typeface="Quattrocento Sans"/>
               </a:rPr>
               <a:t>All the class-level data </a:t>
@@ -12861,7 +12881,7 @@
                 </a:solidFill>
                 <a:latin typeface="+mj-lt"/>
                 <a:ea typeface="Quattrocento Sans"/>
-                <a:cs typeface="Quattrocento Sans"/>
+                <a:cs typeface="Arial" panose="020B0604020202020204" pitchFamily="34" charset="0"/>
                 <a:sym typeface="Quattrocento Sans"/>
               </a:rPr>
               <a:t>(kind of global variables in class) will be stored here, including static variables. There is only one method area per JVM, and it is </a:t>
@@ -12873,7 +12893,7 @@
                 </a:solidFill>
                 <a:latin typeface="+mj-lt"/>
                 <a:ea typeface="Quattrocento Sans"/>
-                <a:cs typeface="Quattrocento Sans"/>
+                <a:cs typeface="Arial" panose="020B0604020202020204" pitchFamily="34" charset="0"/>
                 <a:sym typeface="Quattrocento Sans"/>
               </a:rPr>
               <a:t>a shared resource</a:t>
@@ -12885,7 +12905,7 @@
                 </a:solidFill>
                 <a:latin typeface="+mj-lt"/>
                 <a:ea typeface="Quattrocento Sans"/>
-                <a:cs typeface="Quattrocento Sans"/>
+                <a:cs typeface="Arial" panose="020B0604020202020204" pitchFamily="34" charset="0"/>
                 <a:sym typeface="Quattrocento Sans"/>
               </a:rPr>
               <a:t>.</a:t>
@@ -12919,7 +12939,7 @@
                 </a:solidFill>
                 <a:latin typeface="+mj-lt"/>
                 <a:ea typeface="Quattrocento Sans"/>
-                <a:cs typeface="Quattrocento Sans"/>
+                <a:cs typeface="Arial" panose="020B0604020202020204" pitchFamily="34" charset="0"/>
                 <a:sym typeface="Quattrocento Sans"/>
               </a:rPr>
               <a:t>- Heap Area: </a:t>
@@ -12931,7 +12951,7 @@
                 </a:solidFill>
                 <a:latin typeface="+mj-lt"/>
                 <a:ea typeface="Quattrocento Sans"/>
-                <a:cs typeface="Quattrocento Sans"/>
+                <a:cs typeface="Arial" panose="020B0604020202020204" pitchFamily="34" charset="0"/>
                 <a:sym typeface="Quattrocento Sans"/>
               </a:rPr>
               <a:t>All the Objects </a:t>
@@ -12943,7 +12963,7 @@
                 </a:solidFill>
                 <a:latin typeface="+mj-lt"/>
                 <a:ea typeface="Quattrocento Sans"/>
-                <a:cs typeface="Quattrocento Sans"/>
+                <a:cs typeface="Arial" panose="020B0604020202020204" pitchFamily="34" charset="0"/>
                 <a:sym typeface="Quattrocento Sans"/>
               </a:rPr>
               <a:t>and their </a:t>
@@ -12955,7 +12975,7 @@
                 </a:solidFill>
                 <a:latin typeface="+mj-lt"/>
                 <a:ea typeface="Quattrocento Sans"/>
-                <a:cs typeface="Quattrocento Sans"/>
+                <a:cs typeface="Arial" panose="020B0604020202020204" pitchFamily="34" charset="0"/>
                 <a:sym typeface="Quattrocento Sans"/>
               </a:rPr>
               <a:t>corresponding</a:t>
@@ -12967,7 +12987,7 @@
                 </a:solidFill>
                 <a:latin typeface="+mj-lt"/>
                 <a:ea typeface="Quattrocento Sans"/>
-                <a:cs typeface="Quattrocento Sans"/>
+                <a:cs typeface="Arial" panose="020B0604020202020204" pitchFamily="34" charset="0"/>
                 <a:sym typeface="Quattrocento Sans"/>
               </a:rPr>
               <a:t> </a:t>
@@ -12979,7 +12999,7 @@
                 </a:solidFill>
                 <a:latin typeface="+mj-lt"/>
                 <a:ea typeface="Quattrocento Sans"/>
-                <a:cs typeface="Quattrocento Sans"/>
+                <a:cs typeface="Arial" panose="020B0604020202020204" pitchFamily="34" charset="0"/>
                 <a:sym typeface="Quattrocento Sans"/>
               </a:rPr>
               <a:t>instance variables will be stored here</a:t>
@@ -12991,7 +13011,7 @@
                 </a:solidFill>
                 <a:latin typeface="+mj-lt"/>
                 <a:ea typeface="Quattrocento Sans"/>
-                <a:cs typeface="Quattrocento Sans"/>
+                <a:cs typeface="Arial" panose="020B0604020202020204" pitchFamily="34" charset="0"/>
                 <a:sym typeface="Quattrocento Sans"/>
               </a:rPr>
               <a:t>. There is also one Heap Area per JVM. Since the Method and Heap areas </a:t>
@@ -13003,7 +13023,7 @@
                 </a:solidFill>
                 <a:latin typeface="+mj-lt"/>
                 <a:ea typeface="Quattrocento Sans"/>
-                <a:cs typeface="Quattrocento Sans"/>
+                <a:cs typeface="Arial" panose="020B0604020202020204" pitchFamily="34" charset="0"/>
                 <a:sym typeface="Quattrocento Sans"/>
               </a:rPr>
               <a:t>share memory </a:t>
@@ -13015,7 +13035,7 @@
                 </a:solidFill>
                 <a:latin typeface="+mj-lt"/>
                 <a:ea typeface="Quattrocento Sans"/>
-                <a:cs typeface="Quattrocento Sans"/>
+                <a:cs typeface="Arial" panose="020B0604020202020204" pitchFamily="34" charset="0"/>
                 <a:sym typeface="Quattrocento Sans"/>
               </a:rPr>
               <a:t>for multiple threads, the data stored is </a:t>
@@ -13027,7 +13047,7 @@
                 </a:solidFill>
                 <a:latin typeface="+mj-lt"/>
                 <a:ea typeface="Quattrocento Sans"/>
-                <a:cs typeface="Quattrocento Sans"/>
+                <a:cs typeface="Arial" panose="020B0604020202020204" pitchFamily="34" charset="0"/>
                 <a:sym typeface="Quattrocento Sans"/>
               </a:rPr>
               <a:t>not thread-safe</a:t>
@@ -13039,7 +13059,7 @@
                 </a:solidFill>
                 <a:latin typeface="+mj-lt"/>
                 <a:ea typeface="Quattrocento Sans"/>
-                <a:cs typeface="Quattrocento Sans"/>
+                <a:cs typeface="Arial" panose="020B0604020202020204" pitchFamily="34" charset="0"/>
                 <a:sym typeface="Quattrocento Sans"/>
               </a:rPr>
               <a:t>.</a:t>
@@ -13099,7 +13119,7 @@
                 </a:solidFill>
                 <a:latin typeface="+mj-lt"/>
                 <a:ea typeface="Quattrocento Sans"/>
-                <a:cs typeface="Quattrocento Sans"/>
+                <a:cs typeface="Arial" panose="020B0604020202020204" pitchFamily="34" charset="0"/>
                 <a:sym typeface="Quattrocento Sans"/>
               </a:rPr>
               <a:t>Method and Heap memory</a:t>
@@ -13110,7 +13130,7 @@
               </a:solidFill>
               <a:latin typeface="+mj-lt"/>
               <a:ea typeface="Quattrocento Sans"/>
-              <a:cs typeface="Quattrocento Sans"/>
+              <a:cs typeface="Arial" panose="020B0604020202020204" pitchFamily="34" charset="0"/>
               <a:sym typeface="Quattrocento Sans"/>
             </a:endParaRPr>
           </a:p>
@@ -13190,7 +13210,7 @@
                 </a:solidFill>
                 <a:latin typeface="+mj-lt"/>
                 <a:ea typeface="Quattrocento Sans"/>
-                <a:cs typeface="Quattrocento Sans"/>
+                <a:cs typeface="Arial" panose="020B0604020202020204" pitchFamily="34" charset="0"/>
                 <a:sym typeface="Quattrocento Sans"/>
               </a:rPr>
               <a:t>For each thread, a separate runtime stack will be created. For every method call, one entry will be made in the stack memory which is called Stack Frame. </a:t>
@@ -13201,7 +13221,7 @@
               </a:solidFill>
               <a:latin typeface="+mj-lt"/>
               <a:ea typeface="Quattrocento Sans"/>
-              <a:cs typeface="Quattrocento Sans"/>
+              <a:cs typeface="Arial" panose="020B0604020202020204" pitchFamily="34" charset="0"/>
               <a:sym typeface="Quattrocento Sans"/>
             </a:endParaRPr>
           </a:p>
@@ -13230,7 +13250,7 @@
                 </a:solidFill>
                 <a:latin typeface="+mj-lt"/>
                 <a:ea typeface="Quattrocento Sans"/>
-                <a:cs typeface="Quattrocento Sans"/>
+                <a:cs typeface="Arial" panose="020B0604020202020204" pitchFamily="34" charset="0"/>
                 <a:sym typeface="Quattrocento Sans"/>
               </a:rPr>
               <a:t>All local variables will be created in the stack memory</a:t>
@@ -13242,7 +13262,7 @@
                 </a:solidFill>
                 <a:latin typeface="+mj-lt"/>
                 <a:ea typeface="Quattrocento Sans"/>
-                <a:cs typeface="Quattrocento Sans"/>
+                <a:cs typeface="Arial" panose="020B0604020202020204" pitchFamily="34" charset="0"/>
                 <a:sym typeface="Quattrocento Sans"/>
               </a:rPr>
               <a:t>. The stack area is thread-safe since it is not a shared resource. The Stack Frame is divided into three sub entities:</a:t>
@@ -13253,7 +13273,7 @@
               </a:solidFill>
               <a:latin typeface="+mj-lt"/>
               <a:ea typeface="Quattrocento Sans"/>
-              <a:cs typeface="Quattrocento Sans"/>
+              <a:cs typeface="Arial" panose="020B0604020202020204" pitchFamily="34" charset="0"/>
               <a:sym typeface="Quattrocento Sans"/>
             </a:endParaRPr>
           </a:p>
@@ -13282,7 +13302,7 @@
                 </a:solidFill>
                 <a:latin typeface="+mj-lt"/>
                 <a:ea typeface="Quattrocento Sans"/>
-                <a:cs typeface="Quattrocento Sans"/>
+                <a:cs typeface="Arial" panose="020B0604020202020204" pitchFamily="34" charset="0"/>
                 <a:sym typeface="Quattrocento Sans"/>
               </a:rPr>
               <a:t>Local Variable Array:</a:t>
@@ -13294,7 +13314,7 @@
                 </a:solidFill>
                 <a:latin typeface="+mj-lt"/>
                 <a:ea typeface="Quattrocento Sans"/>
-                <a:cs typeface="Quattrocento Sans"/>
+                <a:cs typeface="Arial" panose="020B0604020202020204" pitchFamily="34" charset="0"/>
                 <a:sym typeface="Quattrocento Sans"/>
               </a:rPr>
               <a:t> </a:t>
@@ -13306,7 +13326,7 @@
                 </a:solidFill>
                 <a:latin typeface="+mj-lt"/>
                 <a:ea typeface="Quattrocento Sans"/>
-                <a:cs typeface="Quattrocento Sans"/>
+                <a:cs typeface="Arial" panose="020B0604020202020204" pitchFamily="34" charset="0"/>
                 <a:sym typeface="Quattrocento Sans"/>
               </a:rPr>
               <a:t>Related to the method </a:t>
@@ -13318,7 +13338,7 @@
                 </a:solidFill>
                 <a:latin typeface="+mj-lt"/>
                 <a:ea typeface="Quattrocento Sans"/>
-                <a:cs typeface="Quattrocento Sans"/>
+                <a:cs typeface="Arial" panose="020B0604020202020204" pitchFamily="34" charset="0"/>
                 <a:sym typeface="Quattrocento Sans"/>
               </a:rPr>
               <a:t>how many </a:t>
@@ -13330,7 +13350,7 @@
                 </a:solidFill>
                 <a:latin typeface="+mj-lt"/>
                 <a:ea typeface="Quattrocento Sans"/>
-                <a:cs typeface="Quattrocento Sans"/>
+                <a:cs typeface="Arial" panose="020B0604020202020204" pitchFamily="34" charset="0"/>
                 <a:sym typeface="Quattrocento Sans"/>
               </a:rPr>
               <a:t>local variables </a:t>
@@ -13342,7 +13362,7 @@
                 </a:solidFill>
                 <a:latin typeface="+mj-lt"/>
                 <a:ea typeface="Quattrocento Sans"/>
-                <a:cs typeface="Quattrocento Sans"/>
+                <a:cs typeface="Arial" panose="020B0604020202020204" pitchFamily="34" charset="0"/>
                 <a:sym typeface="Quattrocento Sans"/>
               </a:rPr>
               <a:t>are involved and the corresponding values will be stored here.</a:t>
@@ -13376,7 +13396,7 @@
                 </a:solidFill>
                 <a:latin typeface="+mj-lt"/>
                 <a:ea typeface="Quattrocento Sans"/>
-                <a:cs typeface="Quattrocento Sans"/>
+                <a:cs typeface="Arial" panose="020B0604020202020204" pitchFamily="34" charset="0"/>
                 <a:sym typeface="Quattrocento Sans"/>
               </a:rPr>
               <a:t>Operand stack:</a:t>
@@ -13388,7 +13408,7 @@
                 </a:solidFill>
                 <a:latin typeface="+mj-lt"/>
                 <a:ea typeface="Quattrocento Sans"/>
-                <a:cs typeface="Quattrocento Sans"/>
+                <a:cs typeface="Arial" panose="020B0604020202020204" pitchFamily="34" charset="0"/>
                 <a:sym typeface="Quattrocento Sans"/>
               </a:rPr>
               <a:t> If any </a:t>
@@ -13400,7 +13420,7 @@
                 </a:solidFill>
                 <a:latin typeface="+mj-lt"/>
                 <a:ea typeface="Quattrocento Sans"/>
-                <a:cs typeface="Quattrocento Sans"/>
+                <a:cs typeface="Arial" panose="020B0604020202020204" pitchFamily="34" charset="0"/>
                 <a:sym typeface="Quattrocento Sans"/>
               </a:rPr>
               <a:t>intermediate operation </a:t>
@@ -13412,7 +13432,7 @@
                 </a:solidFill>
                 <a:latin typeface="+mj-lt"/>
                 <a:ea typeface="Quattrocento Sans"/>
-                <a:cs typeface="Quattrocento Sans"/>
+                <a:cs typeface="Arial" panose="020B0604020202020204" pitchFamily="34" charset="0"/>
                 <a:sym typeface="Quattrocento Sans"/>
               </a:rPr>
               <a:t>is required to perform, operand stack acts as runtime workspace to perform the operation.</a:t>
@@ -13446,7 +13466,7 @@
                 </a:solidFill>
                 <a:latin typeface="+mj-lt"/>
                 <a:ea typeface="Quattrocento Sans"/>
-                <a:cs typeface="Quattrocento Sans"/>
+                <a:cs typeface="Arial" panose="020B0604020202020204" pitchFamily="34" charset="0"/>
                 <a:sym typeface="Quattrocento Sans"/>
               </a:rPr>
               <a:t>Frame data:</a:t>
@@ -13458,7 +13478,7 @@
                 </a:solidFill>
                 <a:latin typeface="+mj-lt"/>
                 <a:ea typeface="Quattrocento Sans"/>
-                <a:cs typeface="Quattrocento Sans"/>
+                <a:cs typeface="Arial" panose="020B0604020202020204" pitchFamily="34" charset="0"/>
                 <a:sym typeface="Quattrocento Sans"/>
               </a:rPr>
               <a:t> In the case of any </a:t>
@@ -13470,7 +13490,7 @@
                 </a:solidFill>
                 <a:latin typeface="+mj-lt"/>
                 <a:ea typeface="Quattrocento Sans"/>
-                <a:cs typeface="Quattrocento Sans"/>
+                <a:cs typeface="Arial" panose="020B0604020202020204" pitchFamily="34" charset="0"/>
                 <a:sym typeface="Quattrocento Sans"/>
               </a:rPr>
               <a:t>exception</a:t>
@@ -13482,7 +13502,7 @@
                 </a:solidFill>
                 <a:latin typeface="+mj-lt"/>
                 <a:ea typeface="Quattrocento Sans"/>
-                <a:cs typeface="Quattrocento Sans"/>
+                <a:cs typeface="Arial" panose="020B0604020202020204" pitchFamily="34" charset="0"/>
                 <a:sym typeface="Quattrocento Sans"/>
               </a:rPr>
               <a:t>, the </a:t>
@@ -13494,7 +13514,7 @@
                 </a:solidFill>
                 <a:latin typeface="+mj-lt"/>
                 <a:ea typeface="Quattrocento Sans"/>
-                <a:cs typeface="Quattrocento Sans"/>
+                <a:cs typeface="Arial" panose="020B0604020202020204" pitchFamily="34" charset="0"/>
                 <a:sym typeface="Quattrocento Sans"/>
               </a:rPr>
               <a:t>catch block information</a:t>
@@ -13506,7 +13526,7 @@
                 </a:solidFill>
                 <a:latin typeface="+mj-lt"/>
                 <a:ea typeface="Quattrocento Sans"/>
-                <a:cs typeface="Quattrocento Sans"/>
+                <a:cs typeface="Arial" panose="020B0604020202020204" pitchFamily="34" charset="0"/>
                 <a:sym typeface="Quattrocento Sans"/>
               </a:rPr>
               <a:t> will be maintained in the frame data.</a:t>
@@ -13566,7 +13586,7 @@
                 </a:solidFill>
                 <a:latin typeface="+mj-lt"/>
                 <a:ea typeface="Quattrocento Sans"/>
-                <a:cs typeface="Quattrocento Sans"/>
+                <a:cs typeface="Arial" panose="020B0604020202020204" pitchFamily="34" charset="0"/>
                 <a:sym typeface="Quattrocento Sans"/>
               </a:rPr>
               <a:t>Stack memory</a:t>
@@ -13577,7 +13597,7 @@
               </a:solidFill>
               <a:latin typeface="+mj-lt"/>
               <a:ea typeface="Quattrocento Sans"/>
-              <a:cs typeface="Quattrocento Sans"/>
+              <a:cs typeface="Arial" panose="020B0604020202020204" pitchFamily="34" charset="0"/>
               <a:sym typeface="Quattrocento Sans"/>
             </a:endParaRPr>
           </a:p>
@@ -13657,7 +13677,7 @@
                 </a:solidFill>
                 <a:latin typeface="+mj-lt"/>
                 <a:ea typeface="Quattrocento Sans"/>
-                <a:cs typeface="Quattrocento Sans"/>
+                <a:cs typeface="Arial" panose="020B0604020202020204" pitchFamily="34" charset="0"/>
                 <a:sym typeface="Quattrocento Sans"/>
               </a:rPr>
               <a:t>- PC Registers:</a:t>
@@ -13669,7 +13689,7 @@
                 </a:solidFill>
                 <a:latin typeface="+mj-lt"/>
                 <a:ea typeface="Quattrocento Sans"/>
-                <a:cs typeface="Quattrocento Sans"/>
+                <a:cs typeface="Arial" panose="020B0604020202020204" pitchFamily="34" charset="0"/>
                 <a:sym typeface="Quattrocento Sans"/>
               </a:rPr>
               <a:t>  </a:t>
@@ -13681,7 +13701,7 @@
                 </a:solidFill>
                 <a:latin typeface="+mj-lt"/>
                 <a:ea typeface="Quattrocento Sans"/>
-                <a:cs typeface="Quattrocento Sans"/>
+                <a:cs typeface="Arial" panose="020B0604020202020204" pitchFamily="34" charset="0"/>
                 <a:sym typeface="Quattrocento Sans"/>
               </a:rPr>
               <a:t>Each thread will have separate PC Registers</a:t>
@@ -13693,7 +13713,7 @@
                 </a:solidFill>
                 <a:latin typeface="+mj-lt"/>
                 <a:ea typeface="Quattrocento Sans"/>
-                <a:cs typeface="Quattrocento Sans"/>
+                <a:cs typeface="Arial" panose="020B0604020202020204" pitchFamily="34" charset="0"/>
                 <a:sym typeface="Quattrocento Sans"/>
               </a:rPr>
               <a:t>, to </a:t>
@@ -13705,7 +13725,7 @@
                 </a:solidFill>
                 <a:latin typeface="+mj-lt"/>
                 <a:ea typeface="Quattrocento Sans"/>
-                <a:cs typeface="Quattrocento Sans"/>
+                <a:cs typeface="Arial" panose="020B0604020202020204" pitchFamily="34" charset="0"/>
                 <a:sym typeface="Quattrocento Sans"/>
               </a:rPr>
               <a:t>hold the address of current executing instruction</a:t>
@@ -13717,7 +13737,7 @@
                 </a:solidFill>
                 <a:latin typeface="+mj-lt"/>
                 <a:ea typeface="Quattrocento Sans"/>
-                <a:cs typeface="Quattrocento Sans"/>
+                <a:cs typeface="Arial" panose="020B0604020202020204" pitchFamily="34" charset="0"/>
                 <a:sym typeface="Quattrocento Sans"/>
               </a:rPr>
               <a:t> once the instruction is executed, the PC register will be updated with the next instruction.</a:t>
@@ -13751,7 +13771,7 @@
                 </a:solidFill>
                 <a:latin typeface="+mj-lt"/>
                 <a:ea typeface="Quattrocento Sans"/>
-                <a:cs typeface="Quattrocento Sans"/>
+                <a:cs typeface="Arial" panose="020B0604020202020204" pitchFamily="34" charset="0"/>
                 <a:sym typeface="Quattrocento Sans"/>
               </a:rPr>
               <a:t>- Native Method stacks</a:t>
@@ -13763,7 +13783,7 @@
                 </a:solidFill>
                 <a:latin typeface="+mj-lt"/>
                 <a:ea typeface="Quattrocento Sans"/>
-                <a:cs typeface="Quattrocento Sans"/>
+                <a:cs typeface="Arial" panose="020B0604020202020204" pitchFamily="34" charset="0"/>
                 <a:sym typeface="Quattrocento Sans"/>
               </a:rPr>
               <a:t>:  Native Method Stack </a:t>
@@ -13775,7 +13795,7 @@
                 </a:solidFill>
                 <a:latin typeface="+mj-lt"/>
                 <a:ea typeface="Quattrocento Sans"/>
-                <a:cs typeface="Quattrocento Sans"/>
+                <a:cs typeface="Arial" panose="020B0604020202020204" pitchFamily="34" charset="0"/>
                 <a:sym typeface="Quattrocento Sans"/>
               </a:rPr>
               <a:t>holds native method information related to native platforms</a:t>
@@ -13787,7 +13807,7 @@
                 </a:solidFill>
                 <a:latin typeface="+mj-lt"/>
                 <a:ea typeface="Quattrocento Sans"/>
-                <a:cs typeface="Quattrocento Sans"/>
+                <a:cs typeface="Arial" panose="020B0604020202020204" pitchFamily="34" charset="0"/>
                 <a:sym typeface="Quattrocento Sans"/>
               </a:rPr>
               <a:t>. For every thread, a separate native method stack will be created.</a:t>
@@ -13821,7 +13841,7 @@
                 </a:solidFill>
                 <a:latin typeface="+mj-lt"/>
                 <a:ea typeface="Quattrocento Sans"/>
-                <a:cs typeface="Quattrocento Sans"/>
+                <a:cs typeface="Arial" panose="020B0604020202020204" pitchFamily="34" charset="0"/>
                 <a:sym typeface="Quattrocento Sans"/>
               </a:rPr>
               <a:t>⇨For example, if we're running the JVM on Windows, it will contain Windows-related information. Likewise, if we're running on Linux, it will have all the Linux-related information we need.</a:t>
@@ -13855,7 +13875,7 @@
                 </a:solidFill>
                 <a:latin typeface="+mj-lt"/>
                 <a:ea typeface="Quattrocento Sans"/>
-                <a:cs typeface="Quattrocento Sans"/>
+                <a:cs typeface="Arial" panose="020B0604020202020204" pitchFamily="34" charset="0"/>
                 <a:sym typeface="Quattrocento Sans"/>
               </a:rPr>
               <a:t>Or a repeat code which compile to the new machine code for better performance by JIT</a:t>
@@ -13866,7 +13886,7 @@
               </a:solidFill>
               <a:latin typeface="+mj-lt"/>
               <a:ea typeface="Quattrocento Sans"/>
-              <a:cs typeface="Quattrocento Sans"/>
+              <a:cs typeface="Arial" panose="020B0604020202020204" pitchFamily="34" charset="0"/>
               <a:sym typeface="Quattrocento Sans"/>
             </a:endParaRPr>
           </a:p>
@@ -13921,7 +13941,7 @@
                 </a:solidFill>
                 <a:latin typeface="+mj-lt"/>
                 <a:ea typeface="Quattrocento Sans"/>
-                <a:cs typeface="Quattrocento Sans"/>
+                <a:cs typeface="Arial" panose="020B0604020202020204" pitchFamily="34" charset="0"/>
                 <a:sym typeface="Quattrocento Sans"/>
               </a:rPr>
               <a:t>PC register and native method stacks memory</a:t>
@@ -13932,7 +13952,7 @@
               </a:solidFill>
               <a:latin typeface="+mj-lt"/>
               <a:ea typeface="Quattrocento Sans"/>
-              <a:cs typeface="Quattrocento Sans"/>
+              <a:cs typeface="Arial" panose="020B0604020202020204" pitchFamily="34" charset="0"/>
               <a:sym typeface="Quattrocento Sans"/>
             </a:endParaRPr>
           </a:p>
@@ -15007,7 +15027,7 @@
                 </a:solidFill>
                 <a:latin typeface="+mj-lt"/>
                 <a:ea typeface="Quattrocento Sans"/>
-                <a:cs typeface="Quattrocento Sans"/>
+                <a:cs typeface="Arial" panose="020B0604020202020204" pitchFamily="34" charset="0"/>
                 <a:sym typeface="Quattrocento Sans"/>
               </a:rPr>
               <a:t>The bytecode, which is </a:t>
@@ -15019,7 +15039,7 @@
                 </a:solidFill>
                 <a:latin typeface="+mj-lt"/>
                 <a:ea typeface="Quattrocento Sans"/>
-                <a:cs typeface="Quattrocento Sans"/>
+                <a:cs typeface="Arial" panose="020B0604020202020204" pitchFamily="34" charset="0"/>
                 <a:sym typeface="Quattrocento Sans"/>
               </a:rPr>
               <a:t>assigned to the Runtime Data Area, will be executed by the Execution Engine</a:t>
@@ -15031,7 +15051,7 @@
                 </a:solidFill>
                 <a:latin typeface="+mj-lt"/>
                 <a:ea typeface="Quattrocento Sans"/>
-                <a:cs typeface="Quattrocento Sans"/>
+                <a:cs typeface="Arial" panose="020B0604020202020204" pitchFamily="34" charset="0"/>
                 <a:sym typeface="Quattrocento Sans"/>
               </a:rPr>
               <a:t>. The Execution Engine reads the bytecode and executes it piece by piece. It separated to 4 part: </a:t>
@@ -15042,7 +15062,7 @@
               </a:solidFill>
               <a:latin typeface="+mj-lt"/>
               <a:ea typeface="Quattrocento Sans"/>
-              <a:cs typeface="Quattrocento Sans"/>
+              <a:cs typeface="Arial" panose="020B0604020202020204" pitchFamily="34" charset="0"/>
               <a:sym typeface="Quattrocento Sans"/>
             </a:endParaRPr>
           </a:p>
@@ -15149,7 +15169,7 @@
                 </a:solidFill>
                 <a:latin typeface="+mj-lt"/>
                 <a:ea typeface="Quattrocento Sans"/>
-                <a:cs typeface="Quattrocento Sans"/>
+                <a:cs typeface="Arial" panose="020B0604020202020204" pitchFamily="34" charset="0"/>
                 <a:sym typeface="Quattrocento Sans"/>
               </a:rPr>
               <a:t>The </a:t>
@@ -15161,7 +15181,7 @@
                 </a:solidFill>
                 <a:latin typeface="+mj-lt"/>
                 <a:ea typeface="Quattrocento Sans"/>
-                <a:cs typeface="Quattrocento Sans"/>
+                <a:cs typeface="Arial" panose="020B0604020202020204" pitchFamily="34" charset="0"/>
                 <a:sym typeface="Quattrocento Sans"/>
               </a:rPr>
               <a:t>interpreter interprets the bytecode</a:t>
@@ -15173,7 +15193,7 @@
                 </a:solidFill>
                 <a:latin typeface="+mj-lt"/>
                 <a:ea typeface="Quattrocento Sans"/>
-                <a:cs typeface="Quattrocento Sans"/>
+                <a:cs typeface="Arial" panose="020B0604020202020204" pitchFamily="34" charset="0"/>
                 <a:sym typeface="Quattrocento Sans"/>
               </a:rPr>
               <a:t> faster but executes slowly. The disadvantage of the interpreter is that when one method is called multiple times, every time a new interpretation is required.</a:t>
@@ -15233,7 +15253,7 @@
                 </a:solidFill>
                 <a:latin typeface="+mj-lt"/>
                 <a:ea typeface="Quattrocento Sans"/>
-                <a:cs typeface="Quattrocento Sans"/>
+                <a:cs typeface="Arial" panose="020B0604020202020204" pitchFamily="34" charset="0"/>
                 <a:sym typeface="Quattrocento Sans"/>
               </a:rPr>
               <a:t>Interpreter</a:t>
@@ -15244,7 +15264,7 @@
               </a:solidFill>
               <a:latin typeface="+mj-lt"/>
               <a:ea typeface="Quattrocento Sans"/>
-              <a:cs typeface="Quattrocento Sans"/>
+              <a:cs typeface="Arial" panose="020B0604020202020204" pitchFamily="34" charset="0"/>
               <a:sym typeface="Quattrocento Sans"/>
             </a:endParaRPr>
           </a:p>
@@ -15324,7 +15344,7 @@
                 </a:solidFill>
                 <a:latin typeface="+mj-lt"/>
                 <a:ea typeface="Quattrocento Sans"/>
-                <a:cs typeface="Quattrocento Sans"/>
+                <a:cs typeface="Arial" panose="020B0604020202020204" pitchFamily="34" charset="0"/>
                 <a:sym typeface="Quattrocento Sans"/>
               </a:rPr>
               <a:t>The JIT Compiler </a:t>
@@ -15336,7 +15356,7 @@
                 </a:solidFill>
                 <a:latin typeface="+mj-lt"/>
                 <a:ea typeface="Quattrocento Sans"/>
-                <a:cs typeface="Quattrocento Sans"/>
+                <a:cs typeface="Arial" panose="020B0604020202020204" pitchFamily="34" charset="0"/>
                 <a:sym typeface="Quattrocento Sans"/>
               </a:rPr>
               <a:t>neutralizes the disadvantage of the interpreter</a:t>
@@ -15348,7 +15368,7 @@
                 </a:solidFill>
                 <a:latin typeface="+mj-lt"/>
                 <a:ea typeface="Quattrocento Sans"/>
-                <a:cs typeface="Quattrocento Sans"/>
+                <a:cs typeface="Arial" panose="020B0604020202020204" pitchFamily="34" charset="0"/>
                 <a:sym typeface="Quattrocento Sans"/>
               </a:rPr>
               <a:t>. The Execution Engine will be using the help of the interpreter in converting byte code, but when it </a:t>
@@ -15360,7 +15380,7 @@
                 </a:solidFill>
                 <a:latin typeface="+mj-lt"/>
                 <a:ea typeface="Quattrocento Sans"/>
-                <a:cs typeface="Quattrocento Sans"/>
+                <a:cs typeface="Arial" panose="020B0604020202020204" pitchFamily="34" charset="0"/>
                 <a:sym typeface="Quattrocento Sans"/>
               </a:rPr>
               <a:t>finds repeated code</a:t>
@@ -15372,7 +15392,7 @@
                 </a:solidFill>
                 <a:latin typeface="+mj-lt"/>
                 <a:ea typeface="Quattrocento Sans"/>
-                <a:cs typeface="Quattrocento Sans"/>
+                <a:cs typeface="Arial" panose="020B0604020202020204" pitchFamily="34" charset="0"/>
                 <a:sym typeface="Quattrocento Sans"/>
               </a:rPr>
               <a:t> it uses the JIT compiler, which compiles the entire bytecode and </a:t>
@@ -15384,7 +15404,7 @@
                 </a:solidFill>
                 <a:latin typeface="+mj-lt"/>
                 <a:ea typeface="Quattrocento Sans"/>
-                <a:cs typeface="Quattrocento Sans"/>
+                <a:cs typeface="Arial" panose="020B0604020202020204" pitchFamily="34" charset="0"/>
                 <a:sym typeface="Quattrocento Sans"/>
               </a:rPr>
               <a:t>changes it to native code</a:t>
@@ -15396,7 +15416,7 @@
                 </a:solidFill>
                 <a:latin typeface="+mj-lt"/>
                 <a:ea typeface="Quattrocento Sans"/>
-                <a:cs typeface="Quattrocento Sans"/>
+                <a:cs typeface="Arial" panose="020B0604020202020204" pitchFamily="34" charset="0"/>
                 <a:sym typeface="Quattrocento Sans"/>
               </a:rPr>
               <a:t>. </a:t>
@@ -15407,7 +15427,7 @@
               </a:solidFill>
               <a:latin typeface="+mj-lt"/>
               <a:ea typeface="Quattrocento Sans"/>
-              <a:cs typeface="Quattrocento Sans"/>
+              <a:cs typeface="Arial" panose="020B0604020202020204" pitchFamily="34" charset="0"/>
               <a:sym typeface="Quattrocento Sans"/>
             </a:endParaRPr>
           </a:p>
@@ -15436,7 +15456,7 @@
                 </a:solidFill>
                 <a:latin typeface="+mj-lt"/>
                 <a:ea typeface="Quattrocento Sans"/>
-                <a:cs typeface="Quattrocento Sans"/>
+                <a:cs typeface="Arial" panose="020B0604020202020204" pitchFamily="34" charset="0"/>
                 <a:sym typeface="Quattrocento Sans"/>
               </a:rPr>
               <a:t>Intermediate Code Generator</a:t>
@@ -15448,7 +15468,7 @@
                 </a:solidFill>
                 <a:latin typeface="+mj-lt"/>
                 <a:ea typeface="Quattrocento Sans"/>
-                <a:cs typeface="Quattrocento Sans"/>
+                <a:cs typeface="Arial" panose="020B0604020202020204" pitchFamily="34" charset="0"/>
                 <a:sym typeface="Quattrocento Sans"/>
               </a:rPr>
               <a:t>: Produces intermediate code.</a:t>
@@ -15482,7 +15502,7 @@
                 </a:solidFill>
                 <a:latin typeface="+mj-lt"/>
                 <a:ea typeface="Quattrocento Sans"/>
-                <a:cs typeface="Quattrocento Sans"/>
+                <a:cs typeface="Arial" panose="020B0604020202020204" pitchFamily="34" charset="0"/>
                 <a:sym typeface="Quattrocento Sans"/>
               </a:rPr>
               <a:t>Code Optimizer</a:t>
@@ -15494,7 +15514,7 @@
                 </a:solidFill>
                 <a:latin typeface="+mj-lt"/>
                 <a:ea typeface="Quattrocento Sans"/>
-                <a:cs typeface="Quattrocento Sans"/>
+                <a:cs typeface="Arial" panose="020B0604020202020204" pitchFamily="34" charset="0"/>
                 <a:sym typeface="Quattrocento Sans"/>
               </a:rPr>
               <a:t>: Responsible for optimizing the intermediate code generated above</a:t>
@@ -15528,7 +15548,7 @@
                 </a:solidFill>
                 <a:latin typeface="+mj-lt"/>
                 <a:ea typeface="Quattrocento Sans"/>
-                <a:cs typeface="Quattrocento Sans"/>
+                <a:cs typeface="Arial" panose="020B0604020202020204" pitchFamily="34" charset="0"/>
                 <a:sym typeface="Quattrocento Sans"/>
               </a:rPr>
               <a:t>Target Code Generator</a:t>
@@ -15540,7 +15560,7 @@
                 </a:solidFill>
                 <a:latin typeface="+mj-lt"/>
                 <a:ea typeface="Quattrocento Sans"/>
-                <a:cs typeface="Quattrocento Sans"/>
+                <a:cs typeface="Arial" panose="020B0604020202020204" pitchFamily="34" charset="0"/>
                 <a:sym typeface="Quattrocento Sans"/>
               </a:rPr>
               <a:t>: Responsible for Generating Native Machine Code.</a:t>
@@ -15574,7 +15594,7 @@
                 </a:solidFill>
                 <a:latin typeface="+mj-lt"/>
                 <a:ea typeface="Quattrocento Sans"/>
-                <a:cs typeface="Quattrocento Sans"/>
+                <a:cs typeface="Arial" panose="020B0604020202020204" pitchFamily="34" charset="0"/>
                 <a:sym typeface="Quattrocento Sans"/>
               </a:rPr>
               <a:t>Profiler</a:t>
@@ -15586,7 +15606,7 @@
                 </a:solidFill>
                 <a:latin typeface="+mj-lt"/>
                 <a:ea typeface="Quattrocento Sans"/>
-                <a:cs typeface="Quattrocento Sans"/>
+                <a:cs typeface="Arial" panose="020B0604020202020204" pitchFamily="34" charset="0"/>
                 <a:sym typeface="Quattrocento Sans"/>
               </a:rPr>
               <a:t>: A special component, responsible for finding hotspots, i.e. whether the method is called multiple times or not.</a:t>
@@ -15619,7 +15639,7 @@
               </a:solidFill>
               <a:latin typeface="+mj-lt"/>
               <a:ea typeface="Quattrocento Sans"/>
-              <a:cs typeface="Quattrocento Sans"/>
+              <a:cs typeface="Arial" panose="020B0604020202020204" pitchFamily="34" charset="0"/>
               <a:sym typeface="Quattrocento Sans"/>
             </a:endParaRPr>
           </a:p>
@@ -15674,7 +15694,7 @@
                 </a:solidFill>
                 <a:latin typeface="+mj-lt"/>
                 <a:ea typeface="Quattrocento Sans"/>
-                <a:cs typeface="Quattrocento Sans"/>
+                <a:cs typeface="Arial" panose="020B0604020202020204" pitchFamily="34" charset="0"/>
                 <a:sym typeface="Quattrocento Sans"/>
               </a:rPr>
               <a:t>JIT(Just In Time ) compiler</a:t>
@@ -15685,7 +15705,7 @@
               </a:solidFill>
               <a:latin typeface="+mj-lt"/>
               <a:ea typeface="Quattrocento Sans"/>
-              <a:cs typeface="Quattrocento Sans"/>
+              <a:cs typeface="Arial" panose="020B0604020202020204" pitchFamily="34" charset="0"/>
               <a:sym typeface="Quattrocento Sans"/>
             </a:endParaRPr>
           </a:p>
@@ -15765,7 +15785,7 @@
                 </a:solidFill>
                 <a:latin typeface="+mj-lt"/>
                 <a:ea typeface="Quattrocento Sans"/>
-                <a:cs typeface="Quattrocento Sans"/>
+                <a:cs typeface="Arial" panose="020B0604020202020204" pitchFamily="34" charset="0"/>
                 <a:sym typeface="Quattrocento Sans"/>
               </a:rPr>
               <a:t>Methods are not compiled when they are called the first time. The JVM maintains a call count, which is incremented every time the method is called.</a:t>
@@ -15799,7 +15819,7 @@
                 </a:solidFill>
                 <a:latin typeface="+mj-lt"/>
                 <a:ea typeface="Quattrocento Sans"/>
-                <a:cs typeface="Quattrocento Sans"/>
+                <a:cs typeface="Arial" panose="020B0604020202020204" pitchFamily="34" charset="0"/>
                 <a:sym typeface="Quattrocento Sans"/>
               </a:rPr>
               <a:t>The methods are interpreted by the JVM until the call count exceeds the JIT compilation threshold.</a:t>
@@ -15833,7 +15853,7 @@
                 </a:solidFill>
                 <a:latin typeface="+mj-lt"/>
                 <a:ea typeface="Quattrocento Sans"/>
-                <a:cs typeface="Quattrocento Sans"/>
+                <a:cs typeface="Arial" panose="020B0604020202020204" pitchFamily="34" charset="0"/>
                 <a:sym typeface="Quattrocento Sans"/>
               </a:rPr>
               <a:t>Very frequently used methods are compiled as soon as the JVM has started, and less frequently used methods are compiled later.</a:t>
@@ -15867,7 +15887,7 @@
                 </a:solidFill>
                 <a:latin typeface="+mj-lt"/>
                 <a:ea typeface="Quattrocento Sans"/>
-                <a:cs typeface="Quattrocento Sans"/>
+                <a:cs typeface="Arial" panose="020B0604020202020204" pitchFamily="34" charset="0"/>
                 <a:sym typeface="Quattrocento Sans"/>
               </a:rPr>
               <a:t>After a method is compiled by JIT, its call count is reset to zero.</a:t>
@@ -15901,7 +15921,7 @@
                 </a:solidFill>
                 <a:latin typeface="+mj-lt"/>
                 <a:ea typeface="Quattrocento Sans"/>
-                <a:cs typeface="Quattrocento Sans"/>
+                <a:cs typeface="Arial" panose="020B0604020202020204" pitchFamily="34" charset="0"/>
                 <a:sym typeface="Quattrocento Sans"/>
               </a:rPr>
               <a:t>The call count of a method reaches a JIT recompilation threshold, JIT compiler compiles method a second time.</a:t>
@@ -15912,7 +15932,7 @@
               </a:solidFill>
               <a:latin typeface="+mj-lt"/>
               <a:ea typeface="Quattrocento Sans"/>
-              <a:cs typeface="Quattrocento Sans"/>
+              <a:cs typeface="Arial" panose="020B0604020202020204" pitchFamily="34" charset="0"/>
               <a:sym typeface="Quattrocento Sans"/>
             </a:endParaRPr>
           </a:p>
@@ -15967,7 +15987,7 @@
                 </a:solidFill>
                 <a:latin typeface="+mj-lt"/>
                 <a:ea typeface="Quattrocento Sans"/>
-                <a:cs typeface="Quattrocento Sans"/>
+                <a:cs typeface="Arial" panose="020B0604020202020204" pitchFamily="34" charset="0"/>
                 <a:sym typeface="Quattrocento Sans"/>
               </a:rPr>
               <a:t>Working process of JIT</a:t>
@@ -15978,7 +15998,7 @@
               </a:solidFill>
               <a:latin typeface="+mj-lt"/>
               <a:ea typeface="Quattrocento Sans"/>
-              <a:cs typeface="Quattrocento Sans"/>
+              <a:cs typeface="Arial" panose="020B0604020202020204" pitchFamily="34" charset="0"/>
               <a:sym typeface="Quattrocento Sans"/>
             </a:endParaRPr>
           </a:p>
@@ -16393,7 +16413,7 @@
                 </a:solidFill>
                 <a:latin typeface="+mj-lt"/>
                 <a:ea typeface="Quattrocento Sans"/>
-                <a:cs typeface="Quattrocento Sans"/>
+                <a:cs typeface="Arial" panose="020B0604020202020204" pitchFamily="34" charset="0"/>
                 <a:sym typeface="Quattrocento Sans"/>
               </a:rPr>
               <a:t>-Garbage Collector:</a:t>
@@ -16405,7 +16425,7 @@
                 </a:solidFill>
                 <a:latin typeface="+mj-lt"/>
                 <a:ea typeface="Quattrocento Sans"/>
-                <a:cs typeface="Quattrocento Sans"/>
+                <a:cs typeface="Arial" panose="020B0604020202020204" pitchFamily="34" charset="0"/>
                 <a:sym typeface="Quattrocento Sans"/>
               </a:rPr>
               <a:t> </a:t>
@@ -16417,7 +16437,7 @@
                 </a:solidFill>
                 <a:latin typeface="+mj-lt"/>
                 <a:ea typeface="Quattrocento Sans"/>
-                <a:cs typeface="Quattrocento Sans"/>
+                <a:cs typeface="Arial" panose="020B0604020202020204" pitchFamily="34" charset="0"/>
                 <a:sym typeface="Quattrocento Sans"/>
               </a:rPr>
               <a:t>Collects and removes unreferenced objects from heap</a:t>
@@ -16429,7 +16449,7 @@
                 </a:solidFill>
                 <a:latin typeface="+mj-lt"/>
                 <a:ea typeface="Quattrocento Sans"/>
-                <a:cs typeface="Quattrocento Sans"/>
+                <a:cs typeface="Arial" panose="020B0604020202020204" pitchFamily="34" charset="0"/>
                 <a:sym typeface="Quattrocento Sans"/>
               </a:rPr>
               <a:t> to reclaim heap space. Garbage Collection can be triggered by calling </a:t>
@@ -16441,7 +16461,7 @@
                 </a:solidFill>
                 <a:latin typeface="+mj-lt"/>
                 <a:ea typeface="Quattrocento Sans"/>
-                <a:cs typeface="Quattrocento Sans"/>
+                <a:cs typeface="Arial" panose="020B0604020202020204" pitchFamily="34" charset="0"/>
                 <a:sym typeface="Quattrocento Sans"/>
               </a:rPr>
               <a:t>System.gc</a:t>
@@ -16453,7 +16473,7 @@
                 </a:solidFill>
                 <a:latin typeface="+mj-lt"/>
                 <a:ea typeface="Quattrocento Sans"/>
-                <a:cs typeface="Quattrocento Sans"/>
+                <a:cs typeface="Arial" panose="020B0604020202020204" pitchFamily="34" charset="0"/>
                 <a:sym typeface="Quattrocento Sans"/>
               </a:rPr>
               <a:t>(), but the execution is not guaranteed. Garbage collection of the JVM collects the objects that are created.</a:t>
@@ -16487,7 +16507,7 @@
                 </a:solidFill>
                 <a:latin typeface="+mj-lt"/>
                 <a:ea typeface="Quattrocento Sans"/>
-                <a:cs typeface="Quattrocento Sans"/>
+                <a:cs typeface="Arial" panose="020B0604020202020204" pitchFamily="34" charset="0"/>
                 <a:sym typeface="Quattrocento Sans"/>
               </a:rPr>
               <a:t>-Java Native Interface (JNI): </a:t>
@@ -16499,7 +16519,7 @@
                 </a:solidFill>
                 <a:latin typeface="+mj-lt"/>
                 <a:ea typeface="Quattrocento Sans"/>
-                <a:cs typeface="Quattrocento Sans"/>
+                <a:cs typeface="Arial" panose="020B0604020202020204" pitchFamily="34" charset="0"/>
                 <a:sym typeface="Quattrocento Sans"/>
               </a:rPr>
               <a:t>JNI will be interacting with the Native Method Libraries and provides the Native Libraries required for the Execution Engine. </a:t>
@@ -16510,7 +16530,7 @@
               </a:solidFill>
               <a:latin typeface="+mj-lt"/>
               <a:ea typeface="Quattrocento Sans"/>
-              <a:cs typeface="Quattrocento Sans"/>
+              <a:cs typeface="Arial" panose="020B0604020202020204" pitchFamily="34" charset="0"/>
               <a:sym typeface="Quattrocento Sans"/>
             </a:endParaRPr>
           </a:p>
@@ -16539,7 +16559,7 @@
                 </a:solidFill>
                 <a:latin typeface="+mj-lt"/>
                 <a:ea typeface="Quattrocento Sans"/>
-                <a:cs typeface="Quattrocento Sans"/>
+                <a:cs typeface="Arial" panose="020B0604020202020204" pitchFamily="34" charset="0"/>
                 <a:sym typeface="Quattrocento Sans"/>
               </a:rPr>
               <a:t>🡺Example: When classes in java library doesn’t support the platform-dependent features needed by the application. To let your java code to access the library already written in any other language by JNI.</a:t>
@@ -16572,7 +16592,7 @@
               </a:solidFill>
               <a:latin typeface="+mj-lt"/>
               <a:ea typeface="Quattrocento Sans"/>
-              <a:cs typeface="Quattrocento Sans"/>
+              <a:cs typeface="Arial" panose="020B0604020202020204" pitchFamily="34" charset="0"/>
               <a:sym typeface="Quattrocento Sans"/>
             </a:endParaRPr>
           </a:p>
@@ -16627,7 +16647,7 @@
                 </a:solidFill>
                 <a:latin typeface="+mj-lt"/>
                 <a:ea typeface="Quattrocento Sans"/>
-                <a:cs typeface="Quattrocento Sans"/>
+                <a:cs typeface="Arial" panose="020B0604020202020204" pitchFamily="34" charset="0"/>
                 <a:sym typeface="Quattrocento Sans"/>
               </a:rPr>
               <a:t>Garbage collector and Java Native Interface (JNI)</a:t>
@@ -16638,7 +16658,7 @@
               </a:solidFill>
               <a:latin typeface="+mj-lt"/>
               <a:ea typeface="Quattrocento Sans"/>
-              <a:cs typeface="Quattrocento Sans"/>
+              <a:cs typeface="Arial" panose="020B0604020202020204" pitchFamily="34" charset="0"/>
               <a:sym typeface="Quattrocento Sans"/>
             </a:endParaRPr>
           </a:p>
@@ -16992,7 +17012,7 @@
                 </a:solidFill>
                 <a:latin typeface="+mj-lt"/>
                 <a:ea typeface="Quattrocento Sans"/>
-                <a:cs typeface="Quattrocento Sans"/>
+                <a:cs typeface="Arial" panose="020B0604020202020204" pitchFamily="34" charset="0"/>
                 <a:sym typeface="Quattrocento Sans"/>
               </a:rPr>
               <a:t>The most important JVM Components related to performance are:</a:t>
@@ -17026,7 +17046,7 @@
                 </a:solidFill>
                 <a:latin typeface="+mj-lt"/>
                 <a:ea typeface="Quattrocento Sans"/>
-                <a:cs typeface="Quattrocento Sans"/>
+                <a:cs typeface="Arial" panose="020B0604020202020204" pitchFamily="34" charset="0"/>
                 <a:sym typeface="Quattrocento Sans"/>
               </a:rPr>
               <a:t>Heap</a:t>
@@ -17037,7 +17057,7 @@
               </a:solidFill>
               <a:latin typeface="+mj-lt"/>
               <a:ea typeface="Quattrocento Sans"/>
-              <a:cs typeface="Quattrocento Sans"/>
+              <a:cs typeface="Arial" panose="020B0604020202020204" pitchFamily="34" charset="0"/>
               <a:sym typeface="Quattrocento Sans"/>
             </a:endParaRPr>
           </a:p>
@@ -17066,7 +17086,7 @@
                 </a:solidFill>
                 <a:latin typeface="+mj-lt"/>
                 <a:ea typeface="Quattrocento Sans"/>
-                <a:cs typeface="Quattrocento Sans"/>
+                <a:cs typeface="Arial" panose="020B0604020202020204" pitchFamily="34" charset="0"/>
                 <a:sym typeface="Quattrocento Sans"/>
               </a:rPr>
               <a:t>JIT (Just in time) Compiler</a:t>
@@ -17100,7 +17120,7 @@
                 </a:solidFill>
                 <a:latin typeface="+mj-lt"/>
                 <a:ea typeface="Quattrocento Sans"/>
-                <a:cs typeface="Quattrocento Sans"/>
+                <a:cs typeface="Arial" panose="020B0604020202020204" pitchFamily="34" charset="0"/>
                 <a:sym typeface="Quattrocento Sans"/>
               </a:rPr>
               <a:t>Garbage collection (compiles bytecode to machine code at runtime and improves the performance of Java applications.)</a:t>
@@ -17133,7 +17153,7 @@
               </a:solidFill>
               <a:latin typeface="+mj-lt"/>
               <a:ea typeface="Quattrocento Sans"/>
-              <a:cs typeface="Quattrocento Sans"/>
+              <a:cs typeface="Arial" panose="020B0604020202020204" pitchFamily="34" charset="0"/>
               <a:sym typeface="Quattrocento Sans"/>
             </a:endParaRPr>
           </a:p>
@@ -17162,7 +17182,7 @@
                 </a:solidFill>
                 <a:latin typeface="+mj-lt"/>
                 <a:ea typeface="Quattrocento Sans"/>
-                <a:cs typeface="Quattrocento Sans"/>
+                <a:cs typeface="Arial" panose="020B0604020202020204" pitchFamily="34" charset="0"/>
                 <a:sym typeface="Quattrocento Sans"/>
               </a:rPr>
               <a:t>There are many JVM to which option we can config:</a:t>
@@ -17196,7 +17216,7 @@
                 </a:solidFill>
                 <a:latin typeface="+mj-lt"/>
                 <a:ea typeface="Quattrocento Sans"/>
-                <a:cs typeface="Quattrocento Sans"/>
+                <a:cs typeface="Arial" panose="020B0604020202020204" pitchFamily="34" charset="0"/>
                 <a:sym typeface="Quattrocento Sans"/>
               </a:rPr>
               <a:t>Increasing and decreasing the heap size for managing object for best performance.</a:t>
@@ -17230,7 +17250,7 @@
                 </a:solidFill>
                 <a:latin typeface="+mj-lt"/>
                 <a:ea typeface="Quattrocento Sans"/>
-                <a:cs typeface="Quattrocento Sans"/>
+                <a:cs typeface="Arial" panose="020B0604020202020204" pitchFamily="34" charset="0"/>
                 <a:sym typeface="Quattrocento Sans"/>
               </a:rPr>
               <a:t>Selecting different garbage collectors, depending on your requirement.</a:t>
@@ -17290,7 +17310,7 @@
                 </a:solidFill>
                 <a:latin typeface="+mj-lt"/>
                 <a:ea typeface="Quattrocento Sans"/>
-                <a:cs typeface="Quattrocento Sans"/>
+                <a:cs typeface="Arial" panose="020B0604020202020204" pitchFamily="34" charset="0"/>
                 <a:sym typeface="Quattrocento Sans"/>
               </a:rPr>
               <a:t>Some note and conclusion of JVM</a:t>
@@ -17301,7 +17321,7 @@
               </a:solidFill>
               <a:latin typeface="+mj-lt"/>
               <a:ea typeface="Quattrocento Sans"/>
-              <a:cs typeface="Quattrocento Sans"/>
+              <a:cs typeface="Arial" panose="020B0604020202020204" pitchFamily="34" charset="0"/>
               <a:sym typeface="Quattrocento Sans"/>
             </a:endParaRPr>
           </a:p>
@@ -17935,7 +17955,10 @@
               </a:rPr>
               <a:t> ?</a:t>
             </a:r>
-            <a:endParaRPr dirty="0"/>
+            <a:endParaRPr dirty="0">
+              <a:latin typeface="Arial" panose="020B0604020202020204" pitchFamily="34" charset="0"/>
+              <a:cs typeface="Arial" panose="020B0604020202020204" pitchFamily="34" charset="0"/>
+            </a:endParaRPr>
           </a:p>
           <a:p>
             <a:pPr marL="0" marR="0" lvl="0" indent="0" algn="l" rtl="0">
@@ -17959,9 +17982,8 @@
               <a:solidFill>
                 <a:schemeClr val="dk1"/>
               </a:solidFill>
-              <a:latin typeface="Quattrocento Sans"/>
-              <a:ea typeface="Quattrocento Sans"/>
-              <a:cs typeface="Quattrocento Sans"/>
+              <a:latin typeface="Arial" panose="020B0604020202020204" pitchFamily="34" charset="0"/>
+              <a:cs typeface="Arial" panose="020B0604020202020204" pitchFamily="34" charset="0"/>
               <a:sym typeface="Quattrocento Sans"/>
             </a:endParaRPr>
           </a:p>
@@ -19033,7 +19055,7 @@
                 </a:solidFill>
                 <a:latin typeface="+mj-lt"/>
                 <a:ea typeface="Quattrocento Sans"/>
-                <a:cs typeface="Quattrocento Sans"/>
+                <a:cs typeface="Arial" panose="020B0604020202020204" pitchFamily="34" charset="0"/>
                 <a:sym typeface="Quattrocento Sans"/>
               </a:rPr>
               <a:t>JVM (Java Virtual Machine) is an abstract machine that </a:t>
@@ -19045,7 +19067,7 @@
                 </a:solidFill>
                 <a:latin typeface="+mj-lt"/>
                 <a:ea typeface="Quattrocento Sans"/>
-                <a:cs typeface="Quattrocento Sans"/>
+                <a:cs typeface="Arial" panose="020B0604020202020204" pitchFamily="34" charset="0"/>
                 <a:sym typeface="Quattrocento Sans"/>
               </a:rPr>
               <a:t>one of the thing which</a:t>
@@ -19057,7 +19079,7 @@
                 </a:solidFill>
                 <a:latin typeface="+mj-lt"/>
                 <a:ea typeface="Quattrocento Sans"/>
-                <a:cs typeface="Quattrocento Sans"/>
+                <a:cs typeface="Arial" panose="020B0604020202020204" pitchFamily="34" charset="0"/>
                 <a:sym typeface="Quattrocento Sans"/>
               </a:rPr>
               <a:t> </a:t>
@@ -19069,7 +19091,7 @@
                 </a:solidFill>
                 <a:latin typeface="+mj-lt"/>
                 <a:ea typeface="Quattrocento Sans"/>
-                <a:cs typeface="Quattrocento Sans"/>
+                <a:cs typeface="Arial" panose="020B0604020202020204" pitchFamily="34" charset="0"/>
                 <a:sym typeface="Quattrocento Sans"/>
               </a:rPr>
               <a:t>enables your computer to run a Java program</a:t>
@@ -19081,7 +19103,7 @@
                 </a:solidFill>
                 <a:latin typeface="+mj-lt"/>
                 <a:ea typeface="Quattrocento Sans"/>
-                <a:cs typeface="Quattrocento Sans"/>
+                <a:cs typeface="Arial" panose="020B0604020202020204" pitchFamily="34" charset="0"/>
                 <a:sym typeface="Quattrocento Sans"/>
               </a:rPr>
               <a:t>. </a:t>
@@ -19115,7 +19137,7 @@
                 </a:solidFill>
                 <a:latin typeface="+mj-lt"/>
                 <a:ea typeface="Quattrocento Sans"/>
-                <a:cs typeface="Quattrocento Sans"/>
+                <a:cs typeface="Arial" panose="020B0604020202020204" pitchFamily="34" charset="0"/>
                 <a:sym typeface="Quattrocento Sans"/>
               </a:rPr>
               <a:t>A Virtual Machine is a software implementation of a physical machine. Java was developed with the concept of </a:t>
@@ -19127,7 +19149,7 @@
                 </a:solidFill>
                 <a:latin typeface="+mj-lt"/>
                 <a:ea typeface="Quattrocento Sans"/>
-                <a:cs typeface="Quattrocento Sans"/>
+                <a:cs typeface="Arial" panose="020B0604020202020204" pitchFamily="34" charset="0"/>
                 <a:sym typeface="Quattrocento Sans"/>
               </a:rPr>
               <a:t>WORA</a:t>
@@ -19139,7 +19161,7 @@
                 </a:solidFill>
                 <a:latin typeface="+mj-lt"/>
                 <a:ea typeface="Quattrocento Sans"/>
-                <a:cs typeface="Quattrocento Sans"/>
+                <a:cs typeface="Arial" panose="020B0604020202020204" pitchFamily="34" charset="0"/>
                 <a:sym typeface="Quattrocento Sans"/>
               </a:rPr>
               <a:t> (Write Once Run Anywhere), which runs on a VM.</a:t>
@@ -19173,7 +19195,7 @@
                 </a:solidFill>
                 <a:latin typeface="+mj-lt"/>
                 <a:ea typeface="Quattrocento Sans"/>
-                <a:cs typeface="Quattrocento Sans"/>
+                <a:cs typeface="Arial" panose="020B0604020202020204" pitchFamily="34" charset="0"/>
                 <a:sym typeface="Quattrocento Sans"/>
               </a:rPr>
               <a:t>The </a:t>
@@ -19185,7 +19207,7 @@
                 </a:solidFill>
                 <a:latin typeface="+mj-lt"/>
                 <a:ea typeface="Quattrocento Sans"/>
-                <a:cs typeface="Quattrocento Sans"/>
+                <a:cs typeface="Arial" panose="020B0604020202020204" pitchFamily="34" charset="0"/>
                 <a:sym typeface="Quattrocento Sans"/>
               </a:rPr>
               <a:t>compiler</a:t>
@@ -19197,7 +19219,7 @@
                 </a:solidFill>
                 <a:latin typeface="+mj-lt"/>
                 <a:ea typeface="Quattrocento Sans"/>
-                <a:cs typeface="Quattrocento Sans"/>
+                <a:cs typeface="Arial" panose="020B0604020202020204" pitchFamily="34" charset="0"/>
                 <a:sym typeface="Quattrocento Sans"/>
               </a:rPr>
               <a:t> compiles the Java </a:t>
@@ -19209,7 +19231,7 @@
                 </a:solidFill>
                 <a:latin typeface="+mj-lt"/>
                 <a:ea typeface="Quattrocento Sans"/>
-                <a:cs typeface="Quattrocento Sans"/>
+                <a:cs typeface="Arial" panose="020B0604020202020204" pitchFamily="34" charset="0"/>
                 <a:sym typeface="Quattrocento Sans"/>
               </a:rPr>
               <a:t>.java</a:t>
@@ -19221,7 +19243,7 @@
                 </a:solidFill>
                 <a:latin typeface="+mj-lt"/>
                 <a:ea typeface="Quattrocento Sans"/>
-                <a:cs typeface="Quattrocento Sans"/>
+                <a:cs typeface="Arial" panose="020B0604020202020204" pitchFamily="34" charset="0"/>
                 <a:sym typeface="Quattrocento Sans"/>
               </a:rPr>
               <a:t> file into a Java </a:t>
@@ -19233,7 +19255,7 @@
                 </a:solidFill>
                 <a:latin typeface="+mj-lt"/>
                 <a:ea typeface="Quattrocento Sans"/>
-                <a:cs typeface="Quattrocento Sans"/>
+                <a:cs typeface="Arial" panose="020B0604020202020204" pitchFamily="34" charset="0"/>
                 <a:sym typeface="Quattrocento Sans"/>
               </a:rPr>
               <a:t>.class file</a:t>
@@ -19245,7 +19267,7 @@
                 </a:solidFill>
                 <a:latin typeface="+mj-lt"/>
                 <a:ea typeface="Quattrocento Sans"/>
-                <a:cs typeface="Quattrocento Sans"/>
+                <a:cs typeface="Arial" panose="020B0604020202020204" pitchFamily="34" charset="0"/>
                 <a:sym typeface="Quattrocento Sans"/>
               </a:rPr>
               <a:t>, then that </a:t>
@@ -19257,7 +19279,7 @@
                 </a:solidFill>
                 <a:latin typeface="+mj-lt"/>
                 <a:ea typeface="Quattrocento Sans"/>
-                <a:cs typeface="Quattrocento Sans"/>
+                <a:cs typeface="Arial" panose="020B0604020202020204" pitchFamily="34" charset="0"/>
                 <a:sym typeface="Quattrocento Sans"/>
               </a:rPr>
               <a:t>.class file</a:t>
@@ -19269,7 +19291,7 @@
                 </a:solidFill>
                 <a:latin typeface="+mj-lt"/>
                 <a:ea typeface="Quattrocento Sans"/>
-                <a:cs typeface="Quattrocento Sans"/>
+                <a:cs typeface="Arial" panose="020B0604020202020204" pitchFamily="34" charset="0"/>
                 <a:sym typeface="Quattrocento Sans"/>
               </a:rPr>
               <a:t> is input into the JVM, which loads and executes the class file.</a:t>
@@ -19302,7 +19324,7 @@
               </a:solidFill>
               <a:latin typeface="+mj-lt"/>
               <a:ea typeface="Quattrocento Sans"/>
-              <a:cs typeface="Quattrocento Sans"/>
+              <a:cs typeface="Arial" panose="020B0604020202020204" pitchFamily="34" charset="0"/>
               <a:sym typeface="Quattrocento Sans"/>
             </a:endParaRPr>
           </a:p>
@@ -19330,7 +19352,7 @@
               </a:solidFill>
               <a:latin typeface="+mj-lt"/>
               <a:ea typeface="Quattrocento Sans"/>
-              <a:cs typeface="Quattrocento Sans"/>
+              <a:cs typeface="Arial" panose="020B0604020202020204" pitchFamily="34" charset="0"/>
               <a:sym typeface="Quattrocento Sans"/>
             </a:endParaRPr>
           </a:p>
@@ -19385,7 +19407,7 @@
                 </a:solidFill>
                 <a:latin typeface="+mj-lt"/>
                 <a:ea typeface="Quattrocento Sans"/>
-                <a:cs typeface="Quattrocento Sans"/>
+                <a:cs typeface="Arial" panose="020B0604020202020204" pitchFamily="34" charset="0"/>
                 <a:sym typeface="Quattrocento Sans"/>
               </a:rPr>
               <a:t>What is JVM?</a:t>
@@ -19396,7 +19418,7 @@
               </a:solidFill>
               <a:latin typeface="+mj-lt"/>
               <a:ea typeface="Quattrocento Sans"/>
-              <a:cs typeface="Quattrocento Sans"/>
+              <a:cs typeface="Arial" panose="020B0604020202020204" pitchFamily="34" charset="0"/>
               <a:sym typeface="Quattrocento Sans"/>
             </a:endParaRPr>
           </a:p>
@@ -19476,9 +19498,9 @@
                 <a:solidFill>
                   <a:srgbClr val="000000"/>
                 </a:solidFill>
-                <a:latin typeface="Quattrocento Sans"/>
-                <a:ea typeface="Quattrocento Sans"/>
-                <a:cs typeface="Quattrocento Sans"/>
+                <a:latin typeface="Arial" panose="020B0604020202020204" pitchFamily="34" charset="0"/>
+                <a:ea typeface="Quattrocento Sans"/>
+                <a:cs typeface="Arial" panose="020B0604020202020204" pitchFamily="34" charset="0"/>
                 <a:sym typeface="Quattrocento Sans"/>
               </a:rPr>
               <a:t>Working flow of Java Program</a:t>
@@ -19487,9 +19509,9 @@
               <a:solidFill>
                 <a:srgbClr val="000000"/>
               </a:solidFill>
-              <a:latin typeface="Quattrocento Sans"/>
+              <a:latin typeface="Arial" panose="020B0604020202020204" pitchFamily="34" charset="0"/>
               <a:ea typeface="Quattrocento Sans"/>
-              <a:cs typeface="Quattrocento Sans"/>
+              <a:cs typeface="Arial" panose="020B0604020202020204" pitchFamily="34" charset="0"/>
               <a:sym typeface="Quattrocento Sans"/>
             </a:endParaRPr>
           </a:p>
@@ -19569,7 +19591,7 @@
                 </a:solidFill>
                 <a:latin typeface="+mj-lt"/>
                 <a:ea typeface="Quattrocento Sans"/>
-                <a:cs typeface="Quattrocento Sans"/>
+                <a:cs typeface="Arial" panose="020B0604020202020204" pitchFamily="34" charset="0"/>
                 <a:sym typeface="Quattrocento Sans"/>
               </a:rPr>
               <a:t>Once source code (.java file) is compiled on one platform (bytecode is formed .class file), that bytecode can be executed (interpreted) on any other platform running a JVM </a:t>
@@ -19580,7 +19602,7 @@
               </a:solidFill>
               <a:latin typeface="+mj-lt"/>
               <a:ea typeface="Quattrocento Sans"/>
-              <a:cs typeface="Quattrocento Sans"/>
+              <a:cs typeface="Arial" panose="020B0604020202020204" pitchFamily="34" charset="0"/>
               <a:sym typeface="Quattrocento Sans"/>
             </a:endParaRPr>
           </a:p>
@@ -19635,7 +19657,7 @@
                 </a:solidFill>
                 <a:latin typeface="+mj-lt"/>
                 <a:ea typeface="Quattrocento Sans"/>
-                <a:cs typeface="Quattrocento Sans"/>
+                <a:cs typeface="Arial" panose="020B0604020202020204" pitchFamily="34" charset="0"/>
                 <a:sym typeface="Quattrocento Sans"/>
               </a:rPr>
               <a:t>Wora (</a:t>
@@ -19644,7 +19666,7 @@
               <a:rPr lang="en-US" b="1" dirty="0">
                 <a:latin typeface="+mj-lt"/>
                 <a:ea typeface="Quattrocento Sans"/>
-                <a:cs typeface="Quattrocento Sans"/>
+                <a:cs typeface="Arial" panose="020B0604020202020204" pitchFamily="34" charset="0"/>
                 <a:sym typeface="Quattrocento Sans"/>
               </a:rPr>
               <a:t>write once run anywhere)</a:t>
@@ -19656,7 +19678,7 @@
                 </a:solidFill>
                 <a:latin typeface="+mj-lt"/>
                 <a:ea typeface="Quattrocento Sans"/>
-                <a:cs typeface="Quattrocento Sans"/>
+                <a:cs typeface="Arial" panose="020B0604020202020204" pitchFamily="34" charset="0"/>
                 <a:sym typeface="Quattrocento Sans"/>
               </a:rPr>
               <a:t> in Java</a:t>
@@ -19667,7 +19689,7 @@
               </a:solidFill>
               <a:latin typeface="+mj-lt"/>
               <a:ea typeface="Quattrocento Sans"/>
-              <a:cs typeface="Quattrocento Sans"/>
+              <a:cs typeface="Arial" panose="020B0604020202020204" pitchFamily="34" charset="0"/>
               <a:sym typeface="Quattrocento Sans"/>
             </a:endParaRPr>
           </a:p>
@@ -19774,7 +19796,7 @@
                 </a:solidFill>
                 <a:latin typeface="+mj-lt"/>
                 <a:ea typeface="Quattrocento Sans"/>
-                <a:cs typeface="Quattrocento Sans"/>
+                <a:cs typeface="Arial" panose="020B0604020202020204" pitchFamily="34" charset="0"/>
                 <a:sym typeface="Quattrocento Sans"/>
               </a:rPr>
               <a:t>JDK (Java Development tool </a:t>
@@ -19783,7 +19805,7 @@
               <a:rPr lang="en-US" dirty="0">
                 <a:latin typeface="+mj-lt"/>
                 <a:ea typeface="Quattrocento Sans"/>
-                <a:cs typeface="Quattrocento Sans"/>
+                <a:cs typeface="Arial" panose="020B0604020202020204" pitchFamily="34" charset="0"/>
                 <a:sym typeface="Quattrocento Sans"/>
               </a:rPr>
               <a:t>K</a:t>
@@ -19795,7 +19817,7 @@
                 </a:solidFill>
                 <a:latin typeface="+mj-lt"/>
                 <a:ea typeface="Quattrocento Sans"/>
-                <a:cs typeface="Quattrocento Sans"/>
+                <a:cs typeface="Arial" panose="020B0604020202020204" pitchFamily="34" charset="0"/>
                 <a:sym typeface="Quattrocento Sans"/>
               </a:rPr>
               <a:t>it) </a:t>
@@ -19807,7 +19829,7 @@
                 </a:solidFill>
                 <a:latin typeface="+mj-lt"/>
                 <a:ea typeface="Quattrocento Sans"/>
-                <a:cs typeface="Quattrocento Sans"/>
+                <a:cs typeface="Arial" panose="020B0604020202020204" pitchFamily="34" charset="0"/>
                 <a:sym typeface="Quattrocento Sans"/>
               </a:rPr>
               <a:t>contains tools required to write Java programs</a:t>
@@ -19819,7 +19841,7 @@
                 </a:solidFill>
                 <a:latin typeface="+mj-lt"/>
                 <a:ea typeface="Quattrocento Sans"/>
-                <a:cs typeface="Quattrocento Sans"/>
+                <a:cs typeface="Arial" panose="020B0604020202020204" pitchFamily="34" charset="0"/>
                 <a:sym typeface="Quattrocento Sans"/>
               </a:rPr>
               <a:t>, and JRE to execute them.</a:t>
@@ -19853,7 +19875,7 @@
                 </a:solidFill>
                 <a:latin typeface="+mj-lt"/>
                 <a:ea typeface="Quattrocento Sans"/>
-                <a:cs typeface="Quattrocento Sans"/>
+                <a:cs typeface="Arial" panose="020B0604020202020204" pitchFamily="34" charset="0"/>
                 <a:sym typeface="Quattrocento Sans"/>
               </a:rPr>
               <a:t>JRE (Java </a:t>
@@ -19862,7 +19884,7 @@
               <a:rPr lang="en-US" dirty="0">
                 <a:latin typeface="+mj-lt"/>
                 <a:ea typeface="Quattrocento Sans"/>
-                <a:cs typeface="Quattrocento Sans"/>
+                <a:cs typeface="Arial" panose="020B0604020202020204" pitchFamily="34" charset="0"/>
                 <a:sym typeface="Quattrocento Sans"/>
               </a:rPr>
               <a:t>R</a:t>
@@ -19874,7 +19896,7 @@
                 </a:solidFill>
                 <a:latin typeface="+mj-lt"/>
                 <a:ea typeface="Quattrocento Sans"/>
-                <a:cs typeface="Quattrocento Sans"/>
+                <a:cs typeface="Arial" panose="020B0604020202020204" pitchFamily="34" charset="0"/>
                 <a:sym typeface="Quattrocento Sans"/>
               </a:rPr>
               <a:t>un-time Environment) </a:t>
@@ -19886,7 +19908,7 @@
                 </a:solidFill>
                 <a:latin typeface="+mj-lt"/>
                 <a:ea typeface="Quattrocento Sans"/>
-                <a:cs typeface="Quattrocento Sans"/>
+                <a:cs typeface="Arial" panose="020B0604020202020204" pitchFamily="34" charset="0"/>
                 <a:sym typeface="Quattrocento Sans"/>
               </a:rPr>
               <a:t>contains class libraries, JVM, and other supporting files</a:t>
@@ -19898,7 +19920,7 @@
                 </a:solidFill>
                 <a:latin typeface="+mj-lt"/>
                 <a:ea typeface="Quattrocento Sans"/>
-                <a:cs typeface="Quattrocento Sans"/>
+                <a:cs typeface="Arial" panose="020B0604020202020204" pitchFamily="34" charset="0"/>
                 <a:sym typeface="Quattrocento Sans"/>
               </a:rPr>
               <a:t>. It does not contain any tool for Java development like a debugger, compiler, etc.</a:t>
@@ -19932,7 +19954,7 @@
                 </a:solidFill>
                 <a:latin typeface="+mj-lt"/>
                 <a:ea typeface="Quattrocento Sans"/>
-                <a:cs typeface="Quattrocento Sans"/>
+                <a:cs typeface="Arial" panose="020B0604020202020204" pitchFamily="34" charset="0"/>
                 <a:sym typeface="Quattrocento Sans"/>
               </a:rPr>
               <a:t>JVM </a:t>
@@ -19944,7 +19966,7 @@
                 </a:solidFill>
                 <a:latin typeface="+mj-lt"/>
                 <a:ea typeface="Quattrocento Sans"/>
-                <a:cs typeface="Quattrocento Sans"/>
+                <a:cs typeface="Arial" panose="020B0604020202020204" pitchFamily="34" charset="0"/>
                 <a:sym typeface="Quattrocento Sans"/>
               </a:rPr>
               <a:t>provides a platform-independent way of executing Java source code</a:t>
@@ -19956,7 +19978,7 @@
                 </a:solidFill>
                 <a:latin typeface="+mj-lt"/>
                 <a:ea typeface="Quattrocento Sans"/>
-                <a:cs typeface="Quattrocento Sans"/>
+                <a:cs typeface="Arial" panose="020B0604020202020204" pitchFamily="34" charset="0"/>
                 <a:sym typeface="Quattrocento Sans"/>
               </a:rPr>
               <a:t>.</a:t>
@@ -19989,7 +20011,7 @@
               </a:solidFill>
               <a:latin typeface="+mj-lt"/>
               <a:ea typeface="Quattrocento Sans"/>
-              <a:cs typeface="Quattrocento Sans"/>
+              <a:cs typeface="Arial" panose="020B0604020202020204" pitchFamily="34" charset="0"/>
               <a:sym typeface="Quattrocento Sans"/>
             </a:endParaRPr>
           </a:p>
@@ -20017,7 +20039,7 @@
               </a:solidFill>
               <a:latin typeface="+mj-lt"/>
               <a:ea typeface="Quattrocento Sans"/>
-              <a:cs typeface="Quattrocento Sans"/>
+              <a:cs typeface="Arial" panose="020B0604020202020204" pitchFamily="34" charset="0"/>
               <a:sym typeface="Quattrocento Sans"/>
             </a:endParaRPr>
           </a:p>
@@ -20072,7 +20094,7 @@
                 </a:solidFill>
                 <a:latin typeface="+mj-lt"/>
                 <a:ea typeface="Quattrocento Sans"/>
-                <a:cs typeface="Quattrocento Sans"/>
+                <a:cs typeface="Arial" panose="020B0604020202020204" pitchFamily="34" charset="0"/>
                 <a:sym typeface="Quattrocento Sans"/>
               </a:rPr>
               <a:t>Relationship between JVM, JRE &amp; JDK</a:t>
@@ -20083,7 +20105,7 @@
               </a:solidFill>
               <a:latin typeface="+mj-lt"/>
               <a:ea typeface="Quattrocento Sans"/>
-              <a:cs typeface="Quattrocento Sans"/>
+              <a:cs typeface="Arial" panose="020B0604020202020204" pitchFamily="34" charset="0"/>
               <a:sym typeface="Quattrocento Sans"/>
             </a:endParaRPr>
           </a:p>
@@ -20188,9 +20210,9 @@
                 <a:solidFill>
                   <a:srgbClr val="000000"/>
                 </a:solidFill>
-                <a:latin typeface="Quattrocento Sans"/>
-                <a:ea typeface="Quattrocento Sans"/>
-                <a:cs typeface="Quattrocento Sans"/>
+                <a:latin typeface="Arial" panose="020B0604020202020204" pitchFamily="34" charset="0"/>
+                <a:ea typeface="Quattrocento Sans"/>
+                <a:cs typeface="Arial" panose="020B0604020202020204" pitchFamily="34" charset="0"/>
                 <a:sym typeface="Quattrocento Sans"/>
               </a:rPr>
               <a:t>JVM structure</a:t>
@@ -20199,9 +20221,9 @@
               <a:solidFill>
                 <a:srgbClr val="000000"/>
               </a:solidFill>
-              <a:latin typeface="Quattrocento Sans"/>
+              <a:latin typeface="Arial" panose="020B0604020202020204" pitchFamily="34" charset="0"/>
               <a:ea typeface="Quattrocento Sans"/>
-              <a:cs typeface="Quattrocento Sans"/>
+              <a:cs typeface="Arial" panose="020B0604020202020204" pitchFamily="34" charset="0"/>
               <a:sym typeface="Quattrocento Sans"/>
             </a:endParaRPr>
           </a:p>
@@ -20454,7 +20476,7 @@
                 </a:solidFill>
                 <a:latin typeface="+mn-lt"/>
                 <a:ea typeface="Quattrocento Sans"/>
-                <a:cs typeface="Quattrocento Sans"/>
+                <a:cs typeface="Arial" panose="020B0604020202020204" pitchFamily="34" charset="0"/>
                 <a:sym typeface="Quattrocento Sans"/>
               </a:rPr>
               <a:t>Java 's dynamic class loading functionality is handled by the ClassLoader subsystem. It </a:t>
@@ -20466,7 +20488,7 @@
                 </a:solidFill>
                 <a:latin typeface="+mn-lt"/>
                 <a:ea typeface="Quattrocento Sans"/>
-                <a:cs typeface="Quattrocento Sans"/>
+                <a:cs typeface="Arial" panose="020B0604020202020204" pitchFamily="34" charset="0"/>
                 <a:sym typeface="Quattrocento Sans"/>
               </a:rPr>
               <a:t>loads, links. and initializes the class file</a:t>
@@ -20478,7 +20500,7 @@
                 </a:solidFill>
                 <a:latin typeface="+mn-lt"/>
                 <a:ea typeface="Quattrocento Sans"/>
-                <a:cs typeface="Quattrocento Sans"/>
+                <a:cs typeface="Arial" panose="020B0604020202020204" pitchFamily="34" charset="0"/>
                 <a:sym typeface="Quattrocento Sans"/>
               </a:rPr>
               <a:t> when it refers to a class for the first time at runtime, not compile time.</a:t>
@@ -20489,7 +20511,7 @@
               </a:solidFill>
               <a:latin typeface="+mn-lt"/>
               <a:ea typeface="Quattrocento Sans"/>
-              <a:cs typeface="Quattrocento Sans"/>
+              <a:cs typeface="Arial" panose="020B0604020202020204" pitchFamily="34" charset="0"/>
               <a:sym typeface="Quattrocento Sans"/>
             </a:endParaRPr>
           </a:p>

--- a/DOC/1, Java Core/1. JVM _ Memory Management/Java Virtual Machine.pptx
+++ b/DOC/1, Java Core/1. JVM _ Memory Management/Java Virtual Machine.pptx
@@ -10278,7 +10278,7 @@
         <p:spPr>
           <a:xfrm>
             <a:off x="273125" y="773250"/>
-            <a:ext cx="8588700" cy="3724066"/>
+            <a:ext cx="8588700" cy="4047232"/>
           </a:xfrm>
           <a:prstGeom prst="rect">
             <a:avLst/>
@@ -10394,7 +10394,7 @@
               <a:t>java.lang</a:t>
             </a:r>
             <a:r>
-              <a:rPr lang="en-US" sz="1400" b="1" i="0" u="none" strike="noStrike" cap="none" dirty="0">
+              <a:rPr lang="en-US" sz="1400" b="1" i="0" u="none" strike="noStrike" cap="none">
                 <a:solidFill>
                   <a:srgbClr val="000000"/>
                 </a:solidFill>
@@ -10406,7 +10406,7 @@
               <a:t>.*,…). </a:t>
             </a:r>
             <a:r>
-              <a:rPr lang="en-US" sz="1400" b="0" i="0" u="none" strike="noStrike" cap="none" dirty="0">
+              <a:rPr lang="en-US" sz="1400" b="0" i="0" u="none" strike="noStrike" cap="none">
                 <a:solidFill>
                   <a:srgbClr val="000000"/>
                 </a:solidFill>
@@ -10418,7 +10418,22 @@
                 <a:cs typeface="Arial" panose="020B0604020202020204" pitchFamily="34" charset="0"/>
                 <a:sym typeface="Quattrocento Sans"/>
               </a:rPr>
-              <a:t>Highest priority will be given to this loader</a:t>
+              <a:t>The highest </a:t>
+            </a:r>
+            <a:r>
+              <a:rPr lang="en-US" sz="1400" b="0" i="0" u="none" strike="noStrike" cap="none" dirty="0">
+                <a:solidFill>
+                  <a:srgbClr val="000000"/>
+                </a:solidFill>
+                <a:highlight>
+                  <a:srgbClr val="FFFF00"/>
+                </a:highlight>
+                <a:latin typeface="+mn-lt"/>
+                <a:ea typeface="Quattrocento Sans"/>
+                <a:cs typeface="Arial" panose="020B0604020202020204" pitchFamily="34" charset="0"/>
+                <a:sym typeface="Quattrocento Sans"/>
+              </a:rPr>
+              <a:t>priority will be given to this loader</a:t>
             </a:r>
             <a:r>
               <a:rPr lang="en-US" sz="1400" b="0" i="0" u="none" strike="noStrike" cap="none" dirty="0">
@@ -10476,7 +10491,31 @@
                 <a:cs typeface="Arial" panose="020B0604020202020204" pitchFamily="34" charset="0"/>
                 <a:sym typeface="Quattrocento Sans"/>
               </a:rPr>
-              <a:t>:  Responsible for loading extension classes which are included inside the </a:t>
+              <a:t>:  Responsible for loading extension </a:t>
+            </a:r>
+            <a:r>
+              <a:rPr lang="en-US" sz="1400" b="0" i="0" u="none" strike="noStrike" cap="none">
+                <a:solidFill>
+                  <a:srgbClr val="000000"/>
+                </a:solidFill>
+                <a:latin typeface="+mn-lt"/>
+                <a:ea typeface="Quattrocento Sans"/>
+                <a:cs typeface="Arial" panose="020B0604020202020204" pitchFamily="34" charset="0"/>
+                <a:sym typeface="Quattrocento Sans"/>
+              </a:rPr>
+              <a:t>classes that </a:t>
+            </a:r>
+            <a:r>
+              <a:rPr lang="en-US" sz="1400" b="0" i="0" u="none" strike="noStrike" cap="none" dirty="0">
+                <a:solidFill>
+                  <a:srgbClr val="000000"/>
+                </a:solidFill>
+                <a:latin typeface="+mn-lt"/>
+                <a:ea typeface="Quattrocento Sans"/>
+                <a:cs typeface="Arial" panose="020B0604020202020204" pitchFamily="34" charset="0"/>
+                <a:sym typeface="Quattrocento Sans"/>
+              </a:rPr>
+              <a:t>are included inside the </a:t>
             </a:r>
             <a:r>
               <a:rPr lang="en-US" sz="1400" b="0" i="0" u="none" strike="noStrike" cap="none" dirty="0" err="1">
@@ -10500,10 +10539,10 @@
                 <a:cs typeface="Arial" panose="020B0604020202020204" pitchFamily="34" charset="0"/>
                 <a:sym typeface="Quattrocento Sans"/>
               </a:rPr>
-              <a:t> folder (</a:t>
-            </a:r>
-            <a:r>
-              <a:rPr lang="en-US" sz="1400" b="0" i="0" u="none" strike="noStrike" cap="none" dirty="0" err="1">
+              <a:t> </a:t>
+            </a:r>
+            <a:r>
+              <a:rPr lang="en-US" sz="1400" b="0" i="0" u="none" strike="noStrike" cap="none">
                 <a:solidFill>
                   <a:srgbClr val="000000"/>
                 </a:solidFill>
@@ -10512,7 +10551,7 @@
                 <a:cs typeface="Arial" panose="020B0604020202020204" pitchFamily="34" charset="0"/>
                 <a:sym typeface="Quattrocento Sans"/>
               </a:rPr>
-              <a:t>jre</a:t>
+              <a:t>folder (JRE </a:t>
             </a:r>
             <a:r>
               <a:rPr lang="en-US" sz="1400" b="0" i="0" u="none" strike="noStrike" cap="none" dirty="0">
@@ -10524,7 +10563,7 @@
                 <a:cs typeface="Arial" panose="020B0604020202020204" pitchFamily="34" charset="0"/>
                 <a:sym typeface="Quattrocento Sans"/>
               </a:rPr>
-              <a:t> \lib) like OJDBC, MQ lib,… </a:t>
+              <a:t>\lib) like OJDBC, MQ lib,… </a:t>
             </a:r>
             <a:endParaRPr dirty="0">
               <a:latin typeface="+mn-lt"/>
@@ -10570,7 +10609,31 @@
                 <a:cs typeface="Arial" panose="020B0604020202020204" pitchFamily="34" charset="0"/>
                 <a:sym typeface="Quattrocento Sans"/>
               </a:rPr>
-              <a:t>: Responsible for loading local application level class path, path mentioned Environment Variable, etc.</a:t>
+              <a:t>: Responsible for loading </a:t>
+            </a:r>
+            <a:r>
+              <a:rPr lang="en-US" sz="1400" b="0" i="0" u="none" strike="noStrike" cap="none">
+                <a:solidFill>
+                  <a:srgbClr val="000000"/>
+                </a:solidFill>
+                <a:latin typeface="+mn-lt"/>
+                <a:ea typeface="Quattrocento Sans"/>
+                <a:cs typeface="Arial" panose="020B0604020202020204" pitchFamily="34" charset="0"/>
+                <a:sym typeface="Quattrocento Sans"/>
+              </a:rPr>
+              <a:t>local application-level </a:t>
+            </a:r>
+            <a:r>
+              <a:rPr lang="en-US" sz="1400" b="0" i="0" u="none" strike="noStrike" cap="none" dirty="0">
+                <a:solidFill>
+                  <a:srgbClr val="000000"/>
+                </a:solidFill>
+                <a:latin typeface="+mn-lt"/>
+                <a:ea typeface="Quattrocento Sans"/>
+                <a:cs typeface="Arial" panose="020B0604020202020204" pitchFamily="34" charset="0"/>
+                <a:sym typeface="Quattrocento Sans"/>
+              </a:rPr>
+              <a:t>class path, path mentioned Environment Variable, etc.</a:t>
             </a:r>
             <a:endParaRPr dirty="0">
               <a:latin typeface="+mn-lt"/>
@@ -10831,7 +10894,19 @@
                 <a:cs typeface="Arial" panose="020B0604020202020204" pitchFamily="34" charset="0"/>
                 <a:sym typeface="Quattrocento Sans"/>
               </a:rPr>
-              <a:t>, next is Extension Class Loader and then Application Class Loader.</a:t>
+              <a:t>, next is Extension Class Loader and then </a:t>
+            </a:r>
+            <a:r>
+              <a:rPr lang="en-US" sz="1400" b="0" i="0" u="none" strike="noStrike" cap="none">
+                <a:solidFill>
+                  <a:srgbClr val="000000"/>
+                </a:solidFill>
+                <a:latin typeface="+mn-lt"/>
+                <a:ea typeface="Quattrocento Sans"/>
+                <a:cs typeface="Arial" panose="020B0604020202020204" pitchFamily="34" charset="0"/>
+                <a:sym typeface="Quattrocento Sans"/>
+              </a:rPr>
+              <a:t>Application ClassLoader.</a:t>
             </a:r>
             <a:endParaRPr sz="1400" b="0" i="0" u="none" strike="noStrike" cap="none" dirty="0">
               <a:solidFill>
@@ -11051,7 +11126,31 @@
                 <a:cs typeface="Arial" panose="020B0604020202020204" pitchFamily="34" charset="0"/>
                 <a:sym typeface="Quattrocento Sans"/>
               </a:rPr>
-              <a:t> where the bytecode class file are verified if </a:t>
+              <a:t> where the </a:t>
+            </a:r>
+            <a:r>
+              <a:rPr lang="en-US" sz="1400" b="0" i="0" u="none" strike="noStrike" cap="none">
+                <a:solidFill>
+                  <a:srgbClr val="000000"/>
+                </a:solidFill>
+                <a:latin typeface="+mn-lt"/>
+                <a:ea typeface="Quattrocento Sans"/>
+                <a:cs typeface="Arial" panose="020B0604020202020204" pitchFamily="34" charset="0"/>
+                <a:sym typeface="Quattrocento Sans"/>
+              </a:rPr>
+              <a:t>bytecode (class file) is </a:t>
+            </a:r>
+            <a:r>
+              <a:rPr lang="en-US" sz="1400" b="0" i="0" u="none" strike="noStrike" cap="none" dirty="0">
+                <a:solidFill>
+                  <a:srgbClr val="000000"/>
+                </a:solidFill>
+                <a:latin typeface="+mn-lt"/>
+                <a:ea typeface="Quattrocento Sans"/>
+                <a:cs typeface="Arial" panose="020B0604020202020204" pitchFamily="34" charset="0"/>
+                <a:sym typeface="Quattrocento Sans"/>
+              </a:rPr>
+              <a:t>verified if </a:t>
             </a:r>
             <a:r>
               <a:rPr lang="en-US" sz="1400" b="1" i="0" u="none" strike="noStrike" cap="none" dirty="0">
@@ -12821,7 +12920,7 @@
           </a:bodyPr>
           <a:lstStyle/>
           <a:p>
-            <a:pPr marL="76200" marR="0" lvl="0" indent="0" algn="just" rtl="0">
+            <a:pPr marL="361950" marR="0" lvl="0" indent="-285750" algn="just" rtl="0">
               <a:lnSpc>
                 <a:spcPct val="150000"/>
               </a:lnSpc>
@@ -12835,10 +12934,22 @@
                 <a:srgbClr val="FFCD00"/>
               </a:buClr>
               <a:buSzPts val="1400"/>
-              <a:buFont typeface="Quattrocento Sans"/>
-              <a:buNone/>
+              <a:buFontTx/>
+              <a:buChar char="-"/>
             </a:pPr>
             <a:r>
+              <a:rPr lang="en-US" sz="1400" b="0" i="0" u="none" strike="noStrike" cap="none">
+                <a:solidFill>
+                  <a:srgbClr val="FF0000"/>
+                </a:solidFill>
+                <a:latin typeface="+mj-lt"/>
+                <a:ea typeface="Quattrocento Sans"/>
+                <a:cs typeface="Arial" panose="020B0604020202020204" pitchFamily="34" charset="0"/>
+                <a:sym typeface="Quattrocento Sans"/>
+              </a:rPr>
+              <a:t>Method </a:t>
+            </a:r>
+            <a:r>
               <a:rPr lang="en-US" sz="1400" b="0" i="0" u="none" strike="noStrike" cap="none" dirty="0">
                 <a:solidFill>
                   <a:srgbClr val="FF0000"/>
@@ -12848,7 +12959,7 @@
                 <a:cs typeface="Arial" panose="020B0604020202020204" pitchFamily="34" charset="0"/>
                 <a:sym typeface="Quattrocento Sans"/>
               </a:rPr>
-              <a:t>- Method Area</a:t>
+              <a:t>Area</a:t>
             </a:r>
             <a:r>
               <a:rPr lang="en-US" sz="1400" b="0" i="0" u="none" strike="noStrike" cap="none" dirty="0">
@@ -12896,10 +13007,10 @@
                 <a:cs typeface="Arial" panose="020B0604020202020204" pitchFamily="34" charset="0"/>
                 <a:sym typeface="Quattrocento Sans"/>
               </a:rPr>
-              <a:t>a shared resource</a:t>
-            </a:r>
-            <a:r>
-              <a:rPr lang="en-US" sz="1400" b="0" i="0" u="none" strike="noStrike" cap="none" dirty="0">
+              <a:t>a shared </a:t>
+            </a:r>
+            <a:r>
+              <a:rPr lang="en-US" sz="1400" b="1" i="0" u="none" strike="noStrike" cap="none">
                 <a:solidFill>
                   <a:srgbClr val="000000"/>
                 </a:solidFill>
@@ -12908,14 +13019,69 @@
                 <a:cs typeface="Arial" panose="020B0604020202020204" pitchFamily="34" charset="0"/>
                 <a:sym typeface="Quattrocento Sans"/>
               </a:rPr>
+              <a:t>resource</a:t>
+            </a:r>
+            <a:r>
+              <a:rPr lang="en-US" sz="1400" b="0" i="0" u="none" strike="noStrike" cap="none">
+                <a:solidFill>
+                  <a:srgbClr val="000000"/>
+                </a:solidFill>
+                <a:latin typeface="+mj-lt"/>
+                <a:ea typeface="Quattrocento Sans"/>
+                <a:cs typeface="Arial" panose="020B0604020202020204" pitchFamily="34" charset="0"/>
+                <a:sym typeface="Quattrocento Sans"/>
+              </a:rPr>
               <a:t>.</a:t>
             </a:r>
+          </a:p>
+          <a:p>
+            <a:pPr marL="361950" marR="0" lvl="0" indent="-285750" algn="just" rtl="0">
+              <a:lnSpc>
+                <a:spcPct val="150000"/>
+              </a:lnSpc>
+              <a:spcBef>
+                <a:spcPts val="0"/>
+              </a:spcBef>
+              <a:spcAft>
+                <a:spcPts val="0"/>
+              </a:spcAft>
+              <a:buClr>
+                <a:srgbClr val="FFCD00"/>
+              </a:buClr>
+              <a:buSzPts val="1400"/>
+              <a:buFontTx/>
+              <a:buChar char="-"/>
+            </a:pPr>
+            <a:endParaRPr lang="en-US">
+              <a:latin typeface="+mj-lt"/>
+              <a:cs typeface="Arial" panose="020B0604020202020204" pitchFamily="34" charset="0"/>
+              <a:sym typeface="Quattrocento Sans"/>
+            </a:endParaRPr>
+          </a:p>
+          <a:p>
+            <a:pPr marL="361950" marR="0" lvl="0" indent="-285750" algn="just" rtl="0">
+              <a:lnSpc>
+                <a:spcPct val="150000"/>
+              </a:lnSpc>
+              <a:spcBef>
+                <a:spcPts val="0"/>
+              </a:spcBef>
+              <a:spcAft>
+                <a:spcPts val="0"/>
+              </a:spcAft>
+              <a:buClr>
+                <a:srgbClr val="FFCD00"/>
+              </a:buClr>
+              <a:buSzPts val="1400"/>
+              <a:buFontTx/>
+              <a:buChar char="-"/>
+            </a:pPr>
             <a:endParaRPr dirty="0">
               <a:latin typeface="+mj-lt"/>
             </a:endParaRPr>
           </a:p>
           <a:p>
-            <a:pPr marL="76200" marR="0" lvl="0" indent="0" algn="just" rtl="0">
+            <a:pPr marL="361950" marR="0" lvl="0" indent="-285750" algn="just" rtl="0">
               <a:lnSpc>
                 <a:spcPct val="150000"/>
               </a:lnSpc>
@@ -12929,10 +13095,22 @@
                 <a:srgbClr val="FFCD00"/>
               </a:buClr>
               <a:buSzPts val="1400"/>
-              <a:buFont typeface="Quattrocento Sans"/>
-              <a:buNone/>
+              <a:buFontTx/>
+              <a:buChar char="-"/>
             </a:pPr>
             <a:r>
+              <a:rPr lang="en-US" sz="1400" b="0" i="0" u="none" strike="noStrike" cap="none">
+                <a:solidFill>
+                  <a:srgbClr val="FF0000"/>
+                </a:solidFill>
+                <a:latin typeface="+mj-lt"/>
+                <a:ea typeface="Quattrocento Sans"/>
+                <a:cs typeface="Arial" panose="020B0604020202020204" pitchFamily="34" charset="0"/>
+                <a:sym typeface="Quattrocento Sans"/>
+              </a:rPr>
+              <a:t>Heap </a:t>
+            </a:r>
+            <a:r>
               <a:rPr lang="en-US" sz="1400" b="0" i="0" u="none" strike="noStrike" cap="none" dirty="0">
                 <a:solidFill>
                   <a:srgbClr val="FF0000"/>
@@ -12942,7 +13120,7 @@
                 <a:cs typeface="Arial" panose="020B0604020202020204" pitchFamily="34" charset="0"/>
                 <a:sym typeface="Quattrocento Sans"/>
               </a:rPr>
-              <a:t>- Heap Area: </a:t>
+              <a:t>Area: </a:t>
             </a:r>
             <a:r>
               <a:rPr lang="en-US" sz="1400" b="1" i="0" u="none" strike="noStrike" cap="none" dirty="0">
@@ -13050,10 +13228,10 @@
                 <a:cs typeface="Arial" panose="020B0604020202020204" pitchFamily="34" charset="0"/>
                 <a:sym typeface="Quattrocento Sans"/>
               </a:rPr>
-              <a:t>not thread-safe</a:t>
-            </a:r>
-            <a:r>
-              <a:rPr lang="en-US" sz="1400" b="0" i="0" u="none" strike="noStrike" cap="none" dirty="0">
+              <a:t>not </a:t>
+            </a:r>
+            <a:r>
+              <a:rPr lang="en-US" sz="1400" b="1" i="0" u="none" strike="noStrike" cap="none">
                 <a:solidFill>
                   <a:srgbClr val="000000"/>
                 </a:solidFill>
@@ -13062,8 +13240,63 @@
                 <a:cs typeface="Arial" panose="020B0604020202020204" pitchFamily="34" charset="0"/>
                 <a:sym typeface="Quattrocento Sans"/>
               </a:rPr>
+              <a:t>thread-safe</a:t>
+            </a:r>
+            <a:r>
+              <a:rPr lang="en-US" sz="1400" b="0" i="0" u="none" strike="noStrike" cap="none">
+                <a:solidFill>
+                  <a:srgbClr val="000000"/>
+                </a:solidFill>
+                <a:latin typeface="+mj-lt"/>
+                <a:ea typeface="Quattrocento Sans"/>
+                <a:cs typeface="Arial" panose="020B0604020202020204" pitchFamily="34" charset="0"/>
+                <a:sym typeface="Quattrocento Sans"/>
+              </a:rPr>
               <a:t>.</a:t>
             </a:r>
+          </a:p>
+          <a:p>
+            <a:pPr marL="361950" marR="0" lvl="0" indent="-285750" algn="just" rtl="0">
+              <a:lnSpc>
+                <a:spcPct val="150000"/>
+              </a:lnSpc>
+              <a:spcBef>
+                <a:spcPts val="0"/>
+              </a:spcBef>
+              <a:spcAft>
+                <a:spcPts val="0"/>
+              </a:spcAft>
+              <a:buClr>
+                <a:srgbClr val="FFCD00"/>
+              </a:buClr>
+              <a:buSzPts val="1400"/>
+              <a:buFontTx/>
+              <a:buChar char="-"/>
+            </a:pPr>
+            <a:endParaRPr lang="en-US">
+              <a:latin typeface="+mj-lt"/>
+              <a:cs typeface="Arial" panose="020B0604020202020204" pitchFamily="34" charset="0"/>
+              <a:sym typeface="Quattrocento Sans"/>
+            </a:endParaRPr>
+          </a:p>
+          <a:p>
+            <a:pPr marL="361950" marR="0" lvl="0" indent="-285750" algn="just" rtl="0">
+              <a:lnSpc>
+                <a:spcPct val="150000"/>
+              </a:lnSpc>
+              <a:spcBef>
+                <a:spcPts val="0"/>
+              </a:spcBef>
+              <a:spcAft>
+                <a:spcPts val="0"/>
+              </a:spcAft>
+              <a:buClr>
+                <a:srgbClr val="FFCD00"/>
+              </a:buClr>
+              <a:buSzPts val="1400"/>
+              <a:buFontTx/>
+              <a:buChar char="-"/>
+            </a:pPr>
             <a:endParaRPr dirty="0">
               <a:latin typeface="+mj-lt"/>
             </a:endParaRPr>
@@ -13728,7 +13961,31 @@
                 <a:cs typeface="Arial" panose="020B0604020202020204" pitchFamily="34" charset="0"/>
                 <a:sym typeface="Quattrocento Sans"/>
               </a:rPr>
-              <a:t>hold the address of current executing instruction</a:t>
+              <a:t>hold the address </a:t>
+            </a:r>
+            <a:r>
+              <a:rPr lang="en-US" sz="1400" b="1" i="0" u="none" strike="noStrike" cap="none">
+                <a:solidFill>
+                  <a:schemeClr val="dk1"/>
+                </a:solidFill>
+                <a:latin typeface="+mj-lt"/>
+                <a:ea typeface="Quattrocento Sans"/>
+                <a:cs typeface="Arial" panose="020B0604020202020204" pitchFamily="34" charset="0"/>
+                <a:sym typeface="Quattrocento Sans"/>
+              </a:rPr>
+              <a:t>of the currently </a:t>
+            </a:r>
+            <a:r>
+              <a:rPr lang="en-US" sz="1400" b="1" i="0" u="none" strike="noStrike" cap="none" dirty="0">
+                <a:solidFill>
+                  <a:schemeClr val="dk1"/>
+                </a:solidFill>
+                <a:latin typeface="+mj-lt"/>
+                <a:ea typeface="Quattrocento Sans"/>
+                <a:cs typeface="Arial" panose="020B0604020202020204" pitchFamily="34" charset="0"/>
+                <a:sym typeface="Quattrocento Sans"/>
+              </a:rPr>
+              <a:t>executing instruction</a:t>
             </a:r>
             <a:r>
               <a:rPr lang="en-US" sz="1400" b="0" i="0" u="none" strike="noStrike" cap="none" dirty="0">
@@ -13878,7 +14135,31 @@
                 <a:cs typeface="Arial" panose="020B0604020202020204" pitchFamily="34" charset="0"/>
                 <a:sym typeface="Quattrocento Sans"/>
               </a:rPr>
-              <a:t>Or a repeat code which compile to the new machine code for better performance by JIT</a:t>
+              <a:t>Or a repeat code </a:t>
+            </a:r>
+            <a:r>
+              <a:rPr lang="en-US" sz="1400" b="0" i="0" u="none" strike="noStrike" cap="none">
+                <a:solidFill>
+                  <a:schemeClr val="dk1"/>
+                </a:solidFill>
+                <a:latin typeface="+mj-lt"/>
+                <a:ea typeface="Quattrocento Sans"/>
+                <a:cs typeface="Arial" panose="020B0604020202020204" pitchFamily="34" charset="0"/>
+                <a:sym typeface="Quattrocento Sans"/>
+              </a:rPr>
+              <a:t>which compiles </a:t>
+            </a:r>
+            <a:r>
+              <a:rPr lang="en-US" sz="1400" b="0" i="0" u="none" strike="noStrike" cap="none" dirty="0">
+                <a:solidFill>
+                  <a:schemeClr val="dk1"/>
+                </a:solidFill>
+                <a:latin typeface="+mj-lt"/>
+                <a:ea typeface="Quattrocento Sans"/>
+                <a:cs typeface="Arial" panose="020B0604020202020204" pitchFamily="34" charset="0"/>
+                <a:sym typeface="Quattrocento Sans"/>
+              </a:rPr>
+              <a:t>to the new machine code for better performance by JIT</a:t>
             </a:r>
             <a:endParaRPr sz="1400" b="0" i="0" u="none" strike="noStrike" cap="none" dirty="0">
               <a:solidFill>
